--- a/docs/ADFLab Design Pattern.pptx
+++ b/docs/ADFLab Design Pattern.pptx
@@ -9,6 +9,10 @@
     <p:sldId id="265" r:id="rId3"/>
     <p:sldId id="267" r:id="rId4"/>
     <p:sldId id="268" r:id="rId5"/>
+    <p:sldId id="270" r:id="rId6"/>
+    <p:sldId id="271" r:id="rId7"/>
+    <p:sldId id="269" r:id="rId8"/>
+    <p:sldId id="272" r:id="rId9"/>
   </p:sldIdLst>
   <p:sldSz cx="12192000" cy="6858000"/>
   <p:notesSz cx="6858000" cy="9144000"/>
@@ -246,7 +250,7 @@
           <a:p>
             <a:fld id="{54AE3484-B8A1-4222-B9DF-BFD33E16A4DB}" type="datetimeFigureOut">
               <a:rPr lang="en-AU" smtClean="0"/>
-              <a:t>3/05/2019</a:t>
+              <a:t>6/05/2019</a:t>
             </a:fld>
             <a:endParaRPr lang="en-AU"/>
           </a:p>
@@ -416,7 +420,7 @@
           <a:p>
             <a:fld id="{54AE3484-B8A1-4222-B9DF-BFD33E16A4DB}" type="datetimeFigureOut">
               <a:rPr lang="en-AU" smtClean="0"/>
-              <a:t>3/05/2019</a:t>
+              <a:t>6/05/2019</a:t>
             </a:fld>
             <a:endParaRPr lang="en-AU"/>
           </a:p>
@@ -596,7 +600,7 @@
           <a:p>
             <a:fld id="{54AE3484-B8A1-4222-B9DF-BFD33E16A4DB}" type="datetimeFigureOut">
               <a:rPr lang="en-AU" smtClean="0"/>
-              <a:t>3/05/2019</a:t>
+              <a:t>6/05/2019</a:t>
             </a:fld>
             <a:endParaRPr lang="en-AU"/>
           </a:p>
@@ -766,7 +770,7 @@
           <a:p>
             <a:fld id="{54AE3484-B8A1-4222-B9DF-BFD33E16A4DB}" type="datetimeFigureOut">
               <a:rPr lang="en-AU" smtClean="0"/>
-              <a:t>3/05/2019</a:t>
+              <a:t>6/05/2019</a:t>
             </a:fld>
             <a:endParaRPr lang="en-AU"/>
           </a:p>
@@ -1012,7 +1016,7 @@
           <a:p>
             <a:fld id="{54AE3484-B8A1-4222-B9DF-BFD33E16A4DB}" type="datetimeFigureOut">
               <a:rPr lang="en-AU" smtClean="0"/>
-              <a:t>3/05/2019</a:t>
+              <a:t>6/05/2019</a:t>
             </a:fld>
             <a:endParaRPr lang="en-AU"/>
           </a:p>
@@ -1244,7 +1248,7 @@
           <a:p>
             <a:fld id="{54AE3484-B8A1-4222-B9DF-BFD33E16A4DB}" type="datetimeFigureOut">
               <a:rPr lang="en-AU" smtClean="0"/>
-              <a:t>3/05/2019</a:t>
+              <a:t>6/05/2019</a:t>
             </a:fld>
             <a:endParaRPr lang="en-AU"/>
           </a:p>
@@ -1611,7 +1615,7 @@
           <a:p>
             <a:fld id="{54AE3484-B8A1-4222-B9DF-BFD33E16A4DB}" type="datetimeFigureOut">
               <a:rPr lang="en-AU" smtClean="0"/>
-              <a:t>3/05/2019</a:t>
+              <a:t>6/05/2019</a:t>
             </a:fld>
             <a:endParaRPr lang="en-AU"/>
           </a:p>
@@ -1729,7 +1733,7 @@
           <a:p>
             <a:fld id="{54AE3484-B8A1-4222-B9DF-BFD33E16A4DB}" type="datetimeFigureOut">
               <a:rPr lang="en-AU" smtClean="0"/>
-              <a:t>3/05/2019</a:t>
+              <a:t>6/05/2019</a:t>
             </a:fld>
             <a:endParaRPr lang="en-AU"/>
           </a:p>
@@ -1824,7 +1828,7 @@
           <a:p>
             <a:fld id="{54AE3484-B8A1-4222-B9DF-BFD33E16A4DB}" type="datetimeFigureOut">
               <a:rPr lang="en-AU" smtClean="0"/>
-              <a:t>3/05/2019</a:t>
+              <a:t>6/05/2019</a:t>
             </a:fld>
             <a:endParaRPr lang="en-AU"/>
           </a:p>
@@ -2101,7 +2105,7 @@
           <a:p>
             <a:fld id="{54AE3484-B8A1-4222-B9DF-BFD33E16A4DB}" type="datetimeFigureOut">
               <a:rPr lang="en-AU" smtClean="0"/>
-              <a:t>3/05/2019</a:t>
+              <a:t>6/05/2019</a:t>
             </a:fld>
             <a:endParaRPr lang="en-AU"/>
           </a:p>
@@ -2354,7 +2358,7 @@
           <a:p>
             <a:fld id="{54AE3484-B8A1-4222-B9DF-BFD33E16A4DB}" type="datetimeFigureOut">
               <a:rPr lang="en-AU" smtClean="0"/>
-              <a:t>3/05/2019</a:t>
+              <a:t>6/05/2019</a:t>
             </a:fld>
             <a:endParaRPr lang="en-AU"/>
           </a:p>
@@ -2567,7 +2571,7 @@
           <a:p>
             <a:fld id="{54AE3484-B8A1-4222-B9DF-BFD33E16A4DB}" type="datetimeFigureOut">
               <a:rPr lang="en-AU" smtClean="0"/>
-              <a:t>3/05/2019</a:t>
+              <a:t>6/05/2019</a:t>
             </a:fld>
             <a:endParaRPr lang="en-AU"/>
           </a:p>
@@ -8029,7 +8033,7 @@
         </p:blipFill>
         <p:spPr>
           <a:xfrm>
-            <a:off x="10231788" y="4604630"/>
+            <a:off x="10222263" y="4766952"/>
             <a:ext cx="555226" cy="552667"/>
           </a:xfrm>
           <a:prstGeom prst="rect">
@@ -8125,7 +8129,7 @@
         </p:blipFill>
         <p:spPr>
           <a:xfrm>
-            <a:off x="6093742" y="1334555"/>
+            <a:off x="6073360" y="395271"/>
             <a:ext cx="606263" cy="551644"/>
           </a:xfrm>
           <a:prstGeom prst="rect">
@@ -8149,7 +8153,7 @@
         </p:blipFill>
         <p:spPr>
           <a:xfrm>
-            <a:off x="6146857" y="406235"/>
+            <a:off x="6161119" y="1219522"/>
             <a:ext cx="551041" cy="573083"/>
           </a:xfrm>
           <a:prstGeom prst="rect">
@@ -8204,8 +8208,8 @@
         </p:nvCxnSpPr>
         <p:spPr>
           <a:xfrm rot="5400000" flipH="1" flipV="1">
-            <a:off x="3811497" y="-252379"/>
-            <a:ext cx="419489" cy="4145002"/>
+            <a:off x="3331664" y="-711830"/>
+            <a:ext cx="1358773" cy="4124620"/>
           </a:xfrm>
           <a:prstGeom prst="bentConnector2">
             <a:avLst/>
@@ -8240,8 +8244,8 @@
         </p:nvCxnSpPr>
         <p:spPr>
           <a:xfrm rot="5400000" flipH="1" flipV="1">
-            <a:off x="3379254" y="-737736"/>
-            <a:ext cx="1337089" cy="4198117"/>
+            <a:off x="3793028" y="-338224"/>
+            <a:ext cx="523802" cy="4212379"/>
           </a:xfrm>
           <a:prstGeom prst="bentConnector2">
             <a:avLst/>
@@ -8276,8 +8280,8 @@
         </p:nvCxnSpPr>
         <p:spPr>
           <a:xfrm>
-            <a:off x="6697898" y="692777"/>
-            <a:ext cx="3811503" cy="3911853"/>
+            <a:off x="6712160" y="1506064"/>
+            <a:ext cx="3787716" cy="3260888"/>
           </a:xfrm>
           <a:prstGeom prst="bentConnector2">
             <a:avLst/>
@@ -8347,7 +8351,7 @@
         </p:nvSpPr>
         <p:spPr>
           <a:xfrm>
-            <a:off x="3036432" y="1269495"/>
+            <a:off x="3070330" y="295664"/>
             <a:ext cx="2912676" cy="276999"/>
           </a:xfrm>
           <a:prstGeom prst="rect">
@@ -8385,7 +8389,7 @@
         </p:nvSpPr>
         <p:spPr>
           <a:xfrm>
-            <a:off x="3060539" y="376789"/>
+            <a:off x="3070330" y="1172503"/>
             <a:ext cx="1623664" cy="276999"/>
           </a:xfrm>
           <a:prstGeom prst="rect">
@@ -8423,7 +8427,7 @@
         </p:nvSpPr>
         <p:spPr>
           <a:xfrm>
-            <a:off x="7538092" y="342573"/>
+            <a:off x="7552667" y="1125152"/>
             <a:ext cx="2236976" cy="276999"/>
           </a:xfrm>
           <a:prstGeom prst="rect">
@@ -8500,8 +8504,8 @@
         </p:nvSpPr>
         <p:spPr>
           <a:xfrm>
-            <a:off x="8531059" y="5319619"/>
-            <a:ext cx="2677508" cy="830997"/>
+            <a:off x="9026359" y="5348834"/>
+            <a:ext cx="2832266" cy="830997"/>
           </a:xfrm>
           <a:prstGeom prst="rect">
             <a:avLst/>
@@ -8514,7 +8518,7 @@
           </a:bodyPr>
           <a:lstStyle/>
           <a:p>
-            <a:pPr algn="r"/>
+            <a:pPr algn="ctr"/>
             <a:r>
               <a:rPr lang="en-AU" sz="1200" b="1" dirty="0" smtClean="0">
                 <a:solidFill>
@@ -8526,7 +8530,33 @@
                 <a:latin typeface="Segoe UI Light" panose="020B0502040204020203" pitchFamily="34" charset="0"/>
                 <a:cs typeface="Segoe UI Light" panose="020B0502040204020203" pitchFamily="34" charset="0"/>
               </a:rPr>
-              <a:t>With Scope reference and Access Token Databricks gets added to Key Vault Access Policies and is able to retrieve Secrets from Key Vault</a:t>
+              <a:t>With Scope reference and Access Token Databricks gets added to Key Vault Access Policies and is able to retrieve </a:t>
+            </a:r>
+            <a:r>
+              <a:rPr lang="en-AU" sz="1200" b="1" dirty="0" smtClean="0">
+                <a:solidFill>
+                  <a:schemeClr val="tx1">
+                    <a:lumMod val="85000"/>
+                    <a:lumOff val="15000"/>
+                  </a:schemeClr>
+                </a:solidFill>
+                <a:latin typeface="Segoe UI Light" panose="020B0502040204020203" pitchFamily="34" charset="0"/>
+                <a:cs typeface="Segoe UI Light" panose="020B0502040204020203" pitchFamily="34" charset="0"/>
+              </a:rPr>
+              <a:t>secrets </a:t>
+            </a:r>
+            <a:r>
+              <a:rPr lang="en-AU" sz="1200" b="1" dirty="0" smtClean="0">
+                <a:solidFill>
+                  <a:schemeClr val="tx1">
+                    <a:lumMod val="85000"/>
+                    <a:lumOff val="15000"/>
+                  </a:schemeClr>
+                </a:solidFill>
+                <a:latin typeface="Segoe UI Light" panose="020B0502040204020203" pitchFamily="34" charset="0"/>
+                <a:cs typeface="Segoe UI Light" panose="020B0502040204020203" pitchFamily="34" charset="0"/>
+              </a:rPr>
+              <a:t>from Key Vault</a:t>
             </a:r>
           </a:p>
         </p:txBody>
@@ -8602,12 +8632,12 @@
         </p:nvCxnSpPr>
         <p:spPr>
           <a:xfrm rot="10800000">
-            <a:off x="6654788" y="2400262"/>
-            <a:ext cx="3577001" cy="2480702"/>
+            <a:off x="6654787" y="2400262"/>
+            <a:ext cx="3567476" cy="2643024"/>
           </a:xfrm>
           <a:prstGeom prst="bentConnector3">
             <a:avLst>
-              <a:gd name="adj1" fmla="val 4903"/>
+              <a:gd name="adj1" fmla="val 6480"/>
             </a:avLst>
           </a:prstGeom>
           <a:ln>
@@ -8697,7 +8727,7 @@
         </p:nvSpPr>
         <p:spPr>
           <a:xfrm>
-            <a:off x="5770909" y="5420989"/>
+            <a:off x="5964717" y="5420989"/>
             <a:ext cx="2538909" cy="646331"/>
           </a:xfrm>
           <a:prstGeom prst="rect">
@@ -8711,7 +8741,7 @@
           </a:bodyPr>
           <a:lstStyle/>
           <a:p>
-            <a:pPr algn="r"/>
+            <a:pPr algn="ctr"/>
             <a:r>
               <a:rPr lang="en-AU" sz="1200" b="1" dirty="0" smtClean="0">
                 <a:solidFill>
@@ -8736,7 +8766,7 @@
         </p:nvSpPr>
         <p:spPr>
           <a:xfrm>
-            <a:off x="2914448" y="5420989"/>
+            <a:off x="3486662" y="5420989"/>
             <a:ext cx="2139778" cy="646331"/>
           </a:xfrm>
           <a:prstGeom prst="rect">
@@ -8750,7 +8780,7 @@
           </a:bodyPr>
           <a:lstStyle/>
           <a:p>
-            <a:pPr algn="r"/>
+            <a:pPr algn="ctr"/>
             <a:r>
               <a:rPr lang="en-AU" sz="1200" b="1" dirty="0" smtClean="0">
                 <a:solidFill>
@@ -8762,8 +8792,18 @@
                 <a:latin typeface="Segoe UI Light" panose="020B0502040204020203" pitchFamily="34" charset="0"/>
                 <a:cs typeface="Segoe UI Light" panose="020B0502040204020203" pitchFamily="34" charset="0"/>
               </a:rPr>
-              <a:t>Databricks Notebook Credential retrieved from Key Vault to access  SQL Server</a:t>
-            </a:r>
+              <a:t>SQL Server Credential retrieved from Key Vault from Databricks Notebook</a:t>
+            </a:r>
+            <a:endParaRPr lang="en-AU" sz="1200" b="1" dirty="0" smtClean="0">
+              <a:solidFill>
+                <a:schemeClr val="tx1">
+                  <a:lumMod val="85000"/>
+                  <a:lumOff val="15000"/>
+                </a:schemeClr>
+              </a:solidFill>
+              <a:latin typeface="Segoe UI Light" panose="020B0502040204020203" pitchFamily="34" charset="0"/>
+              <a:cs typeface="Segoe UI Light" panose="020B0502040204020203" pitchFamily="34" charset="0"/>
+            </a:endParaRPr>
           </a:p>
         </p:txBody>
       </p:sp>
@@ -8778,8 +8818,8 @@
         </p:nvCxnSpPr>
         <p:spPr>
           <a:xfrm>
-            <a:off x="6700005" y="1610377"/>
-            <a:ext cx="3809396" cy="2994253"/>
+            <a:off x="6679623" y="671093"/>
+            <a:ext cx="3820253" cy="4095859"/>
           </a:xfrm>
           <a:prstGeom prst="bentConnector2">
             <a:avLst/>
@@ -8875,7 +8915,7 @@
         </p:nvSpPr>
         <p:spPr>
           <a:xfrm>
-            <a:off x="2741859" y="1278450"/>
+            <a:off x="2775757" y="304619"/>
             <a:ext cx="297459" cy="270616"/>
           </a:xfrm>
           <a:prstGeom prst="ellipse">
@@ -8914,7 +8954,7 @@
                 </a:solidFill>
                 <a:latin typeface="Arial Black" panose="020B0A04020102020204" pitchFamily="34" charset="0"/>
               </a:rPr>
-              <a:t>3</a:t>
+              <a:t>1</a:t>
             </a:r>
             <a:endParaRPr lang="en-AU" dirty="0">
               <a:solidFill>
@@ -8933,7 +8973,7 @@
         </p:nvSpPr>
         <p:spPr>
           <a:xfrm>
-            <a:off x="2745057" y="342573"/>
+            <a:off x="2754848" y="1138287"/>
             <a:ext cx="297459" cy="270616"/>
           </a:xfrm>
           <a:prstGeom prst="ellipse">
@@ -8972,7 +9012,7 @@
                 </a:solidFill>
                 <a:latin typeface="Arial Black" panose="020B0A04020102020204" pitchFamily="34" charset="0"/>
               </a:rPr>
-              <a:t>1</a:t>
+              <a:t>2</a:t>
             </a:r>
             <a:endParaRPr lang="en-AU" dirty="0">
               <a:solidFill>
@@ -8991,7 +9031,7 @@
         </p:nvSpPr>
         <p:spPr>
           <a:xfrm>
-            <a:off x="7240633" y="350925"/>
+            <a:off x="7255208" y="1133504"/>
             <a:ext cx="297459" cy="270616"/>
           </a:xfrm>
           <a:prstGeom prst="ellipse">
@@ -9030,7 +9070,7 @@
                 </a:solidFill>
                 <a:latin typeface="Arial Black" panose="020B0A04020102020204" pitchFamily="34" charset="0"/>
               </a:rPr>
-              <a:t>2</a:t>
+              <a:t>3</a:t>
             </a:r>
             <a:endParaRPr lang="en-AU" dirty="0">
               <a:solidFill>
@@ -9344,93 +9384,8 @@
                 <a:latin typeface="Segoe UI Light" panose="020B0502040204020203" pitchFamily="34" charset="0"/>
                 <a:cs typeface="Segoe UI Light" panose="020B0502040204020203" pitchFamily="34" charset="0"/>
               </a:rPr>
-              <a:t>Databricks Notebook retrieves secret from Key Vault</a:t>
-            </a:r>
-          </a:p>
-        </p:txBody>
-      </p:sp>
-      <p:pic>
-        <p:nvPicPr>
-          <p:cNvPr id="299" name="Picture 298"/>
-          <p:cNvPicPr>
-            <a:picLocks noChangeAspect="1"/>
-          </p:cNvPicPr>
-          <p:nvPr/>
-        </p:nvPicPr>
-        <p:blipFill>
-          <a:blip r:embed="rId12"/>
-          <a:stretch>
-            <a:fillRect/>
-          </a:stretch>
-        </p:blipFill>
-        <p:spPr>
-          <a:xfrm>
-            <a:off x="5143035" y="2885462"/>
-            <a:ext cx="452459" cy="379868"/>
-          </a:xfrm>
-          <a:prstGeom prst="rect">
-            <a:avLst/>
-          </a:prstGeom>
-        </p:spPr>
-      </p:pic>
-      <p:cxnSp>
-        <p:nvCxnSpPr>
-          <p:cNvPr id="313" name="Elbow Connector 312"/>
-          <p:cNvCxnSpPr>
-            <a:stCxn id="4" idx="2"/>
-            <a:endCxn id="299" idx="1"/>
-          </p:cNvCxnSpPr>
-          <p:nvPr/>
-        </p:nvCxnSpPr>
-        <p:spPr>
-          <a:xfrm rot="16200000" flipH="1">
-            <a:off x="3393517" y="1325877"/>
-            <a:ext cx="304741" cy="3194295"/>
-          </a:xfrm>
-          <a:prstGeom prst="bentConnector2">
-            <a:avLst/>
-          </a:prstGeom>
-          <a:ln>
-            <a:tailEnd type="triangle"/>
-          </a:ln>
-        </p:spPr>
-        <p:style>
-          <a:lnRef idx="1">
-            <a:schemeClr val="accent1"/>
-          </a:lnRef>
-          <a:fillRef idx="0">
-            <a:schemeClr val="accent1"/>
-          </a:fillRef>
-          <a:effectRef idx="0">
-            <a:schemeClr val="accent1"/>
-          </a:effectRef>
-          <a:fontRef idx="minor">
-            <a:schemeClr val="tx1"/>
-          </a:fontRef>
-        </p:style>
-      </p:cxnSp>
-      <p:sp>
-        <p:nvSpPr>
-          <p:cNvPr id="316" name="TextBox 315"/>
-          <p:cNvSpPr txBox="1"/>
-          <p:nvPr/>
-        </p:nvSpPr>
-        <p:spPr>
-          <a:xfrm>
-            <a:off x="3015718" y="2747221"/>
-            <a:ext cx="2139778" cy="276999"/>
-          </a:xfrm>
-          <a:prstGeom prst="rect">
-            <a:avLst/>
-          </a:prstGeom>
-          <a:noFill/>
-        </p:spPr>
-        <p:txBody>
-          <a:bodyPr wrap="square" rtlCol="0">
-            <a:spAutoFit/>
-          </a:bodyPr>
-          <a:lstStyle/>
-          <a:p>
+              <a:t>Databricks Notebook retrieves secret from </a:t>
+            </a:r>
             <a:r>
               <a:rPr lang="en-AU" sz="1200" b="1" dirty="0" smtClean="0">
                 <a:solidFill>
@@ -9442,8 +9397,142 @@
                 <a:latin typeface="Segoe UI Light" panose="020B0502040204020203" pitchFamily="34" charset="0"/>
                 <a:cs typeface="Segoe UI Light" panose="020B0502040204020203" pitchFamily="34" charset="0"/>
               </a:rPr>
-              <a:t>Create Cluster</a:t>
-            </a:r>
+              <a:t>Azure Key </a:t>
+            </a:r>
+            <a:r>
+              <a:rPr lang="en-AU" sz="1200" b="1" dirty="0" smtClean="0">
+                <a:solidFill>
+                  <a:schemeClr val="tx1">
+                    <a:lumMod val="85000"/>
+                    <a:lumOff val="15000"/>
+                  </a:schemeClr>
+                </a:solidFill>
+                <a:latin typeface="Segoe UI Light" panose="020B0502040204020203" pitchFamily="34" charset="0"/>
+                <a:cs typeface="Segoe UI Light" panose="020B0502040204020203" pitchFamily="34" charset="0"/>
+              </a:rPr>
+              <a:t>Vault</a:t>
+            </a:r>
+          </a:p>
+        </p:txBody>
+      </p:sp>
+      <p:pic>
+        <p:nvPicPr>
+          <p:cNvPr id="299" name="Picture 298"/>
+          <p:cNvPicPr>
+            <a:picLocks noChangeAspect="1"/>
+          </p:cNvPicPr>
+          <p:nvPr/>
+        </p:nvPicPr>
+        <p:blipFill>
+          <a:blip r:embed="rId12"/>
+          <a:stretch>
+            <a:fillRect/>
+          </a:stretch>
+        </p:blipFill>
+        <p:spPr>
+          <a:xfrm>
+            <a:off x="5102085" y="3064489"/>
+            <a:ext cx="452459" cy="379868"/>
+          </a:xfrm>
+          <a:prstGeom prst="rect">
+            <a:avLst/>
+          </a:prstGeom>
+        </p:spPr>
+      </p:pic>
+      <p:cxnSp>
+        <p:nvCxnSpPr>
+          <p:cNvPr id="313" name="Elbow Connector 312"/>
+          <p:cNvCxnSpPr>
+            <a:stCxn id="4" idx="2"/>
+            <a:endCxn id="299" idx="1"/>
+          </p:cNvCxnSpPr>
+          <p:nvPr/>
+        </p:nvCxnSpPr>
+        <p:spPr>
+          <a:xfrm rot="16200000" flipH="1">
+            <a:off x="3283528" y="1435866"/>
+            <a:ext cx="483768" cy="3153345"/>
+          </a:xfrm>
+          <a:prstGeom prst="bentConnector2">
+            <a:avLst/>
+          </a:prstGeom>
+          <a:ln>
+            <a:tailEnd type="triangle"/>
+          </a:ln>
+        </p:spPr>
+        <p:style>
+          <a:lnRef idx="1">
+            <a:schemeClr val="accent1"/>
+          </a:lnRef>
+          <a:fillRef idx="0">
+            <a:schemeClr val="accent1"/>
+          </a:fillRef>
+          <a:effectRef idx="0">
+            <a:schemeClr val="accent1"/>
+          </a:effectRef>
+          <a:fontRef idx="minor">
+            <a:schemeClr val="tx1"/>
+          </a:fontRef>
+        </p:style>
+      </p:cxnSp>
+      <p:sp>
+        <p:nvSpPr>
+          <p:cNvPr id="316" name="TextBox 315"/>
+          <p:cNvSpPr txBox="1"/>
+          <p:nvPr/>
+        </p:nvSpPr>
+        <p:spPr>
+          <a:xfrm>
+            <a:off x="3075567" y="2910109"/>
+            <a:ext cx="2139778" cy="276999"/>
+          </a:xfrm>
+          <a:prstGeom prst="rect">
+            <a:avLst/>
+          </a:prstGeom>
+          <a:noFill/>
+        </p:spPr>
+        <p:txBody>
+          <a:bodyPr wrap="square" rtlCol="0">
+            <a:spAutoFit/>
+          </a:bodyPr>
+          <a:lstStyle/>
+          <a:p>
+            <a:r>
+              <a:rPr lang="en-AU" sz="1200" b="1" dirty="0" smtClean="0">
+                <a:solidFill>
+                  <a:schemeClr val="tx1">
+                    <a:lumMod val="85000"/>
+                    <a:lumOff val="15000"/>
+                  </a:schemeClr>
+                </a:solidFill>
+                <a:latin typeface="Segoe UI Light" panose="020B0502040204020203" pitchFamily="34" charset="0"/>
+                <a:cs typeface="Segoe UI Light" panose="020B0502040204020203" pitchFamily="34" charset="0"/>
+              </a:rPr>
+              <a:t>Create </a:t>
+            </a:r>
+            <a:r>
+              <a:rPr lang="en-AU" sz="1200" b="1" dirty="0" smtClean="0">
+                <a:solidFill>
+                  <a:schemeClr val="tx1">
+                    <a:lumMod val="85000"/>
+                    <a:lumOff val="15000"/>
+                  </a:schemeClr>
+                </a:solidFill>
+                <a:latin typeface="Segoe UI Light" panose="020B0502040204020203" pitchFamily="34" charset="0"/>
+                <a:cs typeface="Segoe UI Light" panose="020B0502040204020203" pitchFamily="34" charset="0"/>
+              </a:rPr>
+              <a:t>Databricks Cluster</a:t>
+            </a:r>
+            <a:endParaRPr lang="en-AU" sz="1200" b="1" dirty="0" smtClean="0">
+              <a:solidFill>
+                <a:schemeClr val="tx1">
+                  <a:lumMod val="85000"/>
+                  <a:lumOff val="15000"/>
+                </a:schemeClr>
+              </a:solidFill>
+              <a:latin typeface="Segoe UI Light" panose="020B0502040204020203" pitchFamily="34" charset="0"/>
+              <a:cs typeface="Segoe UI Light" panose="020B0502040204020203" pitchFamily="34" charset="0"/>
+            </a:endParaRPr>
           </a:p>
         </p:txBody>
       </p:sp>
@@ -9455,7 +9544,7 @@
         </p:nvSpPr>
         <p:spPr>
           <a:xfrm>
-            <a:off x="2747420" y="2764324"/>
+            <a:off x="2746862" y="2918500"/>
             <a:ext cx="297459" cy="270616"/>
           </a:xfrm>
           <a:prstGeom prst="ellipse">
@@ -9661,10 +9750,2292 @@
           </a:p>
         </p:txBody>
       </p:sp>
+      <p:sp>
+        <p:nvSpPr>
+          <p:cNvPr id="58" name="TextBox 57">
+            <a:extLst>
+              <a:ext uri="{FF2B5EF4-FFF2-40B4-BE49-F238E27FC236}">
+                <a16:creationId xmlns:a16="http://schemas.microsoft.com/office/drawing/2014/main" id="{BDFA829C-BD11-444D-B043-86602DE4F646}"/>
+              </a:ext>
+            </a:extLst>
+          </p:cNvPr>
+          <p:cNvSpPr txBox="1"/>
+          <p:nvPr/>
+        </p:nvSpPr>
+        <p:spPr>
+          <a:xfrm>
+            <a:off x="5702060" y="2809402"/>
+            <a:ext cx="1295254" cy="276876"/>
+          </a:xfrm>
+          <a:prstGeom prst="rect">
+            <a:avLst/>
+          </a:prstGeom>
+          <a:solidFill>
+            <a:schemeClr val="accent1">
+              <a:lumMod val="60000"/>
+              <a:lumOff val="40000"/>
+            </a:schemeClr>
+          </a:solidFill>
+        </p:spPr>
+        <p:txBody>
+          <a:bodyPr vert="horz" wrap="square" lIns="36000" tIns="36000" rIns="36000" bIns="36000" rtlCol="0">
+            <a:noAutofit/>
+          </a:bodyPr>
+          <a:lstStyle/>
+          <a:p>
+            <a:pPr algn="ctr"/>
+            <a:r>
+              <a:rPr lang="en-AU" sz="1100" b="1" dirty="0" smtClean="0">
+                <a:solidFill>
+                  <a:schemeClr val="bg1"/>
+                </a:solidFill>
+                <a:latin typeface="+mj-lt"/>
+              </a:rPr>
+              <a:t>Databricks Notebook</a:t>
+            </a:r>
+            <a:endParaRPr lang="en-AU" sz="1100" b="1" dirty="0">
+              <a:solidFill>
+                <a:schemeClr val="bg1"/>
+              </a:solidFill>
+              <a:latin typeface="+mj-lt"/>
+            </a:endParaRPr>
+          </a:p>
+        </p:txBody>
+      </p:sp>
     </p:spTree>
     <p:extLst>
       <p:ext uri="{BB962C8B-B14F-4D97-AF65-F5344CB8AC3E}">
         <p14:creationId xmlns:p14="http://schemas.microsoft.com/office/powerpoint/2010/main" val="1619750295"/>
+      </p:ext>
+    </p:extLst>
+  </p:cSld>
+  <p:clrMapOvr>
+    <a:masterClrMapping/>
+  </p:clrMapOvr>
+  <p:timing>
+    <p:tnLst>
+      <p:par>
+        <p:cTn id="1" dur="indefinite" restart="never" nodeType="tmRoot"/>
+      </p:par>
+    </p:tnLst>
+  </p:timing>
+</p:sld>
+</file>
+
+<file path=ppt/slides/slide5.xml><?xml version="1.0" encoding="utf-8"?>
+<p:sld xmlns:a="http://schemas.openxmlformats.org/drawingml/2006/main" xmlns:r="http://schemas.openxmlformats.org/officeDocument/2006/relationships" xmlns:p="http://schemas.openxmlformats.org/presentationml/2006/main">
+  <p:cSld>
+    <p:spTree>
+      <p:nvGrpSpPr>
+        <p:cNvPr id="1" name=""/>
+        <p:cNvGrpSpPr/>
+        <p:nvPr/>
+      </p:nvGrpSpPr>
+      <p:grpSpPr>
+        <a:xfrm>
+          <a:off x="0" y="0"/>
+          <a:ext cx="0" cy="0"/>
+          <a:chOff x="0" y="0"/>
+          <a:chExt cx="0" cy="0"/>
+        </a:xfrm>
+      </p:grpSpPr>
+      <p:pic>
+        <p:nvPicPr>
+          <p:cNvPr id="5" name="Picture 4"/>
+          <p:cNvPicPr>
+            <a:picLocks noChangeAspect="1"/>
+          </p:cNvPicPr>
+          <p:nvPr/>
+        </p:nvPicPr>
+        <p:blipFill>
+          <a:blip r:embed="rId2"/>
+          <a:stretch>
+            <a:fillRect/>
+          </a:stretch>
+        </p:blipFill>
+        <p:spPr>
+          <a:xfrm flipH="1">
+            <a:off x="1000426" y="2885944"/>
+            <a:ext cx="668568" cy="658663"/>
+          </a:xfrm>
+          <a:prstGeom prst="rect">
+            <a:avLst/>
+          </a:prstGeom>
+        </p:spPr>
+      </p:pic>
+      <p:sp>
+        <p:nvSpPr>
+          <p:cNvPr id="7" name="TextBox 6"/>
+          <p:cNvSpPr txBox="1"/>
+          <p:nvPr/>
+        </p:nvSpPr>
+        <p:spPr>
+          <a:xfrm>
+            <a:off x="884769" y="3544607"/>
+            <a:ext cx="899882" cy="276999"/>
+          </a:xfrm>
+          <a:prstGeom prst="rect">
+            <a:avLst/>
+          </a:prstGeom>
+          <a:noFill/>
+        </p:spPr>
+        <p:txBody>
+          <a:bodyPr wrap="square" rtlCol="0">
+            <a:spAutoFit/>
+          </a:bodyPr>
+          <a:lstStyle/>
+          <a:p>
+            <a:pPr algn="ctr"/>
+            <a:r>
+              <a:rPr lang="en-AU" sz="1200" b="1" dirty="0" smtClean="0">
+                <a:solidFill>
+                  <a:schemeClr val="tx1">
+                    <a:lumMod val="85000"/>
+                    <a:lumOff val="15000"/>
+                  </a:schemeClr>
+                </a:solidFill>
+                <a:latin typeface="Segoe UI Light" panose="020B0502040204020203" pitchFamily="34" charset="0"/>
+                <a:cs typeface="Segoe UI Light" panose="020B0502040204020203" pitchFamily="34" charset="0"/>
+              </a:rPr>
+              <a:t>Country</a:t>
+            </a:r>
+            <a:endParaRPr lang="en-AU" sz="1200" b="1" dirty="0" smtClean="0">
+              <a:solidFill>
+                <a:schemeClr val="tx1">
+                  <a:lumMod val="85000"/>
+                  <a:lumOff val="15000"/>
+                </a:schemeClr>
+              </a:solidFill>
+              <a:latin typeface="Segoe UI Light" panose="020B0502040204020203" pitchFamily="34" charset="0"/>
+              <a:cs typeface="Segoe UI Light" panose="020B0502040204020203" pitchFamily="34" charset="0"/>
+            </a:endParaRPr>
+          </a:p>
+        </p:txBody>
+      </p:sp>
+      <p:pic>
+        <p:nvPicPr>
+          <p:cNvPr id="8" name="Picture 7"/>
+          <p:cNvPicPr>
+            <a:picLocks noChangeAspect="1"/>
+          </p:cNvPicPr>
+          <p:nvPr/>
+        </p:nvPicPr>
+        <p:blipFill>
+          <a:blip r:embed="rId2"/>
+          <a:stretch>
+            <a:fillRect/>
+          </a:stretch>
+        </p:blipFill>
+        <p:spPr>
+          <a:xfrm flipH="1">
+            <a:off x="2073234" y="2885944"/>
+            <a:ext cx="668568" cy="658663"/>
+          </a:xfrm>
+          <a:prstGeom prst="rect">
+            <a:avLst/>
+          </a:prstGeom>
+        </p:spPr>
+      </p:pic>
+      <p:sp>
+        <p:nvSpPr>
+          <p:cNvPr id="9" name="TextBox 8"/>
+          <p:cNvSpPr txBox="1"/>
+          <p:nvPr/>
+        </p:nvSpPr>
+        <p:spPr>
+          <a:xfrm>
+            <a:off x="1957577" y="3544607"/>
+            <a:ext cx="899882" cy="276999"/>
+          </a:xfrm>
+          <a:prstGeom prst="rect">
+            <a:avLst/>
+          </a:prstGeom>
+          <a:noFill/>
+        </p:spPr>
+        <p:txBody>
+          <a:bodyPr wrap="square" rtlCol="0">
+            <a:spAutoFit/>
+          </a:bodyPr>
+          <a:lstStyle/>
+          <a:p>
+            <a:pPr algn="ctr"/>
+            <a:r>
+              <a:rPr lang="en-AU" sz="1200" b="1" dirty="0" smtClean="0">
+                <a:solidFill>
+                  <a:schemeClr val="tx1">
+                    <a:lumMod val="85000"/>
+                    <a:lumOff val="15000"/>
+                  </a:schemeClr>
+                </a:solidFill>
+                <a:latin typeface="Segoe UI Light" panose="020B0502040204020203" pitchFamily="34" charset="0"/>
+                <a:cs typeface="Segoe UI Light" panose="020B0502040204020203" pitchFamily="34" charset="0"/>
+              </a:rPr>
+              <a:t>State</a:t>
+            </a:r>
+            <a:endParaRPr lang="en-AU" sz="1200" b="1" dirty="0" smtClean="0">
+              <a:solidFill>
+                <a:schemeClr val="tx1">
+                  <a:lumMod val="85000"/>
+                  <a:lumOff val="15000"/>
+                </a:schemeClr>
+              </a:solidFill>
+              <a:latin typeface="Segoe UI Light" panose="020B0502040204020203" pitchFamily="34" charset="0"/>
+              <a:cs typeface="Segoe UI Light" panose="020B0502040204020203" pitchFamily="34" charset="0"/>
+            </a:endParaRPr>
+          </a:p>
+        </p:txBody>
+      </p:sp>
+      <p:pic>
+        <p:nvPicPr>
+          <p:cNvPr id="10" name="Picture 9"/>
+          <p:cNvPicPr>
+            <a:picLocks noChangeAspect="1"/>
+          </p:cNvPicPr>
+          <p:nvPr/>
+        </p:nvPicPr>
+        <p:blipFill>
+          <a:blip r:embed="rId2"/>
+          <a:stretch>
+            <a:fillRect/>
+          </a:stretch>
+        </p:blipFill>
+        <p:spPr>
+          <a:xfrm flipH="1">
+            <a:off x="3168806" y="2885944"/>
+            <a:ext cx="668568" cy="658663"/>
+          </a:xfrm>
+          <a:prstGeom prst="rect">
+            <a:avLst/>
+          </a:prstGeom>
+        </p:spPr>
+      </p:pic>
+      <p:sp>
+        <p:nvSpPr>
+          <p:cNvPr id="11" name="TextBox 10"/>
+          <p:cNvSpPr txBox="1"/>
+          <p:nvPr/>
+        </p:nvSpPr>
+        <p:spPr>
+          <a:xfrm>
+            <a:off x="3053149" y="3544607"/>
+            <a:ext cx="899882" cy="276999"/>
+          </a:xfrm>
+          <a:prstGeom prst="rect">
+            <a:avLst/>
+          </a:prstGeom>
+          <a:noFill/>
+        </p:spPr>
+        <p:txBody>
+          <a:bodyPr wrap="square" rtlCol="0">
+            <a:spAutoFit/>
+          </a:bodyPr>
+          <a:lstStyle/>
+          <a:p>
+            <a:pPr algn="ctr"/>
+            <a:r>
+              <a:rPr lang="en-AU" sz="1200" b="1" dirty="0" smtClean="0">
+                <a:solidFill>
+                  <a:schemeClr val="tx1">
+                    <a:lumMod val="85000"/>
+                    <a:lumOff val="15000"/>
+                  </a:schemeClr>
+                </a:solidFill>
+                <a:latin typeface="Segoe UI Light" panose="020B0502040204020203" pitchFamily="34" charset="0"/>
+                <a:cs typeface="Segoe UI Light" panose="020B0502040204020203" pitchFamily="34" charset="0"/>
+              </a:rPr>
+              <a:t>City</a:t>
+            </a:r>
+            <a:endParaRPr lang="en-AU" sz="1200" b="1" dirty="0" smtClean="0">
+              <a:solidFill>
+                <a:schemeClr val="tx1">
+                  <a:lumMod val="85000"/>
+                  <a:lumOff val="15000"/>
+                </a:schemeClr>
+              </a:solidFill>
+              <a:latin typeface="Segoe UI Light" panose="020B0502040204020203" pitchFamily="34" charset="0"/>
+              <a:cs typeface="Segoe UI Light" panose="020B0502040204020203" pitchFamily="34" charset="0"/>
+            </a:endParaRPr>
+          </a:p>
+        </p:txBody>
+      </p:sp>
+      <p:pic>
+        <p:nvPicPr>
+          <p:cNvPr id="30" name="Picture 29"/>
+          <p:cNvPicPr>
+            <a:picLocks noChangeAspect="1"/>
+          </p:cNvPicPr>
+          <p:nvPr/>
+        </p:nvPicPr>
+        <p:blipFill>
+          <a:blip r:embed="rId2"/>
+          <a:stretch>
+            <a:fillRect/>
+          </a:stretch>
+        </p:blipFill>
+        <p:spPr>
+          <a:xfrm flipH="1">
+            <a:off x="9333310" y="2386171"/>
+            <a:ext cx="1316438" cy="1296935"/>
+          </a:xfrm>
+          <a:prstGeom prst="rect">
+            <a:avLst/>
+          </a:prstGeom>
+        </p:spPr>
+      </p:pic>
+      <p:sp>
+        <p:nvSpPr>
+          <p:cNvPr id="31" name="TextBox 30"/>
+          <p:cNvSpPr txBox="1"/>
+          <p:nvPr/>
+        </p:nvSpPr>
+        <p:spPr>
+          <a:xfrm>
+            <a:off x="9513794" y="3693302"/>
+            <a:ext cx="899882" cy="276999"/>
+          </a:xfrm>
+          <a:prstGeom prst="rect">
+            <a:avLst/>
+          </a:prstGeom>
+          <a:noFill/>
+        </p:spPr>
+        <p:txBody>
+          <a:bodyPr wrap="square" rtlCol="0">
+            <a:spAutoFit/>
+          </a:bodyPr>
+          <a:lstStyle/>
+          <a:p>
+            <a:pPr algn="ctr"/>
+            <a:r>
+              <a:rPr lang="en-AU" sz="1200" b="1" dirty="0" smtClean="0">
+                <a:solidFill>
+                  <a:schemeClr val="tx1">
+                    <a:lumMod val="85000"/>
+                    <a:lumOff val="15000"/>
+                  </a:schemeClr>
+                </a:solidFill>
+                <a:latin typeface="Segoe UI Light" panose="020B0502040204020203" pitchFamily="34" charset="0"/>
+                <a:cs typeface="Segoe UI Light" panose="020B0502040204020203" pitchFamily="34" charset="0"/>
+              </a:rPr>
+              <a:t>Purchases</a:t>
+            </a:r>
+            <a:endParaRPr lang="en-AU" sz="1200" b="1" dirty="0" smtClean="0">
+              <a:solidFill>
+                <a:schemeClr val="tx1">
+                  <a:lumMod val="85000"/>
+                  <a:lumOff val="15000"/>
+                </a:schemeClr>
+              </a:solidFill>
+              <a:latin typeface="Segoe UI Light" panose="020B0502040204020203" pitchFamily="34" charset="0"/>
+              <a:cs typeface="Segoe UI Light" panose="020B0502040204020203" pitchFamily="34" charset="0"/>
+            </a:endParaRPr>
+          </a:p>
+        </p:txBody>
+      </p:sp>
+      <p:pic>
+        <p:nvPicPr>
+          <p:cNvPr id="32" name="Picture 31"/>
+          <p:cNvPicPr>
+            <a:picLocks noChangeAspect="1"/>
+          </p:cNvPicPr>
+          <p:nvPr/>
+        </p:nvPicPr>
+        <p:blipFill>
+          <a:blip r:embed="rId2"/>
+          <a:stretch>
+            <a:fillRect/>
+          </a:stretch>
+        </p:blipFill>
+        <p:spPr>
+          <a:xfrm flipH="1">
+            <a:off x="9513794" y="4369322"/>
+            <a:ext cx="992503" cy="977799"/>
+          </a:xfrm>
+          <a:prstGeom prst="rect">
+            <a:avLst/>
+          </a:prstGeom>
+        </p:spPr>
+      </p:pic>
+      <p:sp>
+        <p:nvSpPr>
+          <p:cNvPr id="33" name="TextBox 32"/>
+          <p:cNvSpPr txBox="1"/>
+          <p:nvPr/>
+        </p:nvSpPr>
+        <p:spPr>
+          <a:xfrm>
+            <a:off x="9462055" y="5347121"/>
+            <a:ext cx="1095983" cy="276999"/>
+          </a:xfrm>
+          <a:prstGeom prst="rect">
+            <a:avLst/>
+          </a:prstGeom>
+          <a:noFill/>
+        </p:spPr>
+        <p:txBody>
+          <a:bodyPr wrap="square" rtlCol="0">
+            <a:spAutoFit/>
+          </a:bodyPr>
+          <a:lstStyle/>
+          <a:p>
+            <a:pPr algn="ctr"/>
+            <a:r>
+              <a:rPr lang="en-AU" sz="1200" b="1" dirty="0" smtClean="0">
+                <a:solidFill>
+                  <a:schemeClr val="tx1">
+                    <a:lumMod val="85000"/>
+                    <a:lumOff val="15000"/>
+                  </a:schemeClr>
+                </a:solidFill>
+                <a:latin typeface="Segoe UI Light" panose="020B0502040204020203" pitchFamily="34" charset="0"/>
+                <a:cs typeface="Segoe UI Light" panose="020B0502040204020203" pitchFamily="34" charset="0"/>
+              </a:rPr>
+              <a:t>Sales</a:t>
+            </a:r>
+            <a:endParaRPr lang="en-AU" sz="1200" b="1" dirty="0" smtClean="0">
+              <a:solidFill>
+                <a:schemeClr val="tx1">
+                  <a:lumMod val="85000"/>
+                  <a:lumOff val="15000"/>
+                </a:schemeClr>
+              </a:solidFill>
+              <a:latin typeface="Segoe UI Light" panose="020B0502040204020203" pitchFamily="34" charset="0"/>
+              <a:cs typeface="Segoe UI Light" panose="020B0502040204020203" pitchFamily="34" charset="0"/>
+            </a:endParaRPr>
+          </a:p>
+        </p:txBody>
+      </p:sp>
+      <p:cxnSp>
+        <p:nvCxnSpPr>
+          <p:cNvPr id="35" name="Straight Arrow Connector 34"/>
+          <p:cNvCxnSpPr>
+            <a:stCxn id="5" idx="1"/>
+            <a:endCxn id="8" idx="3"/>
+          </p:cNvCxnSpPr>
+          <p:nvPr/>
+        </p:nvCxnSpPr>
+        <p:spPr>
+          <a:xfrm>
+            <a:off x="1668994" y="3215276"/>
+            <a:ext cx="404240" cy="0"/>
+          </a:xfrm>
+          <a:prstGeom prst="straightConnector1">
+            <a:avLst/>
+          </a:prstGeom>
+          <a:ln>
+            <a:tailEnd type="triangle"/>
+          </a:ln>
+        </p:spPr>
+        <p:style>
+          <a:lnRef idx="1">
+            <a:schemeClr val="accent1"/>
+          </a:lnRef>
+          <a:fillRef idx="0">
+            <a:schemeClr val="accent1"/>
+          </a:fillRef>
+          <a:effectRef idx="0">
+            <a:schemeClr val="accent1"/>
+          </a:effectRef>
+          <a:fontRef idx="minor">
+            <a:schemeClr val="tx1"/>
+          </a:fontRef>
+        </p:style>
+      </p:cxnSp>
+      <p:cxnSp>
+        <p:nvCxnSpPr>
+          <p:cNvPr id="37" name="Straight Arrow Connector 36"/>
+          <p:cNvCxnSpPr>
+            <a:stCxn id="8" idx="1"/>
+            <a:endCxn id="10" idx="3"/>
+          </p:cNvCxnSpPr>
+          <p:nvPr/>
+        </p:nvCxnSpPr>
+        <p:spPr>
+          <a:xfrm>
+            <a:off x="2741802" y="3215276"/>
+            <a:ext cx="427004" cy="0"/>
+          </a:xfrm>
+          <a:prstGeom prst="straightConnector1">
+            <a:avLst/>
+          </a:prstGeom>
+          <a:ln>
+            <a:tailEnd type="triangle"/>
+          </a:ln>
+        </p:spPr>
+        <p:style>
+          <a:lnRef idx="1">
+            <a:schemeClr val="accent1"/>
+          </a:lnRef>
+          <a:fillRef idx="0">
+            <a:schemeClr val="accent1"/>
+          </a:fillRef>
+          <a:effectRef idx="0">
+            <a:schemeClr val="accent1"/>
+          </a:effectRef>
+          <a:fontRef idx="minor">
+            <a:schemeClr val="tx1"/>
+          </a:fontRef>
+        </p:style>
+      </p:cxnSp>
+      <p:sp>
+        <p:nvSpPr>
+          <p:cNvPr id="42" name="TextBox 41"/>
+          <p:cNvSpPr txBox="1"/>
+          <p:nvPr/>
+        </p:nvSpPr>
+        <p:spPr>
+          <a:xfrm>
+            <a:off x="1208650" y="2028781"/>
+            <a:ext cx="2662765" cy="461665"/>
+          </a:xfrm>
+          <a:prstGeom prst="rect">
+            <a:avLst/>
+          </a:prstGeom>
+          <a:noFill/>
+        </p:spPr>
+        <p:txBody>
+          <a:bodyPr wrap="square" rtlCol="0">
+            <a:spAutoFit/>
+          </a:bodyPr>
+          <a:lstStyle/>
+          <a:p>
+            <a:pPr algn="ctr"/>
+            <a:r>
+              <a:rPr lang="en-AU" sz="1200" b="1" dirty="0" smtClean="0">
+                <a:solidFill>
+                  <a:schemeClr val="tx1">
+                    <a:lumMod val="85000"/>
+                    <a:lumOff val="15000"/>
+                  </a:schemeClr>
+                </a:solidFill>
+                <a:latin typeface="Segoe UI Light" panose="020B0502040204020203" pitchFamily="34" charset="0"/>
+                <a:cs typeface="Segoe UI Light" panose="020B0502040204020203" pitchFamily="34" charset="0"/>
+              </a:rPr>
+              <a:t>Dataset with Dependencies. Load sequentially one after another</a:t>
+            </a:r>
+            <a:endParaRPr lang="en-AU" sz="1200" b="1" dirty="0" smtClean="0">
+              <a:solidFill>
+                <a:schemeClr val="tx1">
+                  <a:lumMod val="85000"/>
+                  <a:lumOff val="15000"/>
+                </a:schemeClr>
+              </a:solidFill>
+              <a:latin typeface="Segoe UI Light" panose="020B0502040204020203" pitchFamily="34" charset="0"/>
+              <a:cs typeface="Segoe UI Light" panose="020B0502040204020203" pitchFamily="34" charset="0"/>
+            </a:endParaRPr>
+          </a:p>
+        </p:txBody>
+      </p:sp>
+      <p:grpSp>
+        <p:nvGrpSpPr>
+          <p:cNvPr id="45" name="Group 44"/>
+          <p:cNvGrpSpPr/>
+          <p:nvPr/>
+        </p:nvGrpSpPr>
+        <p:grpSpPr>
+          <a:xfrm>
+            <a:off x="4827816" y="693260"/>
+            <a:ext cx="2911999" cy="5702694"/>
+            <a:chOff x="3898107" y="594589"/>
+            <a:chExt cx="2911999" cy="5702694"/>
+          </a:xfrm>
+        </p:grpSpPr>
+        <p:pic>
+          <p:nvPicPr>
+            <p:cNvPr id="14" name="Picture 13"/>
+            <p:cNvPicPr>
+              <a:picLocks noChangeAspect="1"/>
+            </p:cNvPicPr>
+            <p:nvPr/>
+          </p:nvPicPr>
+          <p:blipFill>
+            <a:blip r:embed="rId2"/>
+            <a:stretch>
+              <a:fillRect/>
+            </a:stretch>
+          </p:blipFill>
+          <p:spPr>
+            <a:xfrm flipH="1">
+              <a:off x="5064174" y="1224501"/>
+              <a:ext cx="668568" cy="658663"/>
+            </a:xfrm>
+            <a:prstGeom prst="rect">
+              <a:avLst/>
+            </a:prstGeom>
+          </p:spPr>
+        </p:pic>
+        <p:sp>
+          <p:nvSpPr>
+            <p:cNvPr id="15" name="TextBox 14"/>
+            <p:cNvSpPr txBox="1"/>
+            <p:nvPr/>
+          </p:nvSpPr>
+          <p:spPr>
+            <a:xfrm>
+              <a:off x="4948517" y="1883164"/>
+              <a:ext cx="899882" cy="276999"/>
+            </a:xfrm>
+            <a:prstGeom prst="rect">
+              <a:avLst/>
+            </a:prstGeom>
+            <a:noFill/>
+          </p:spPr>
+          <p:txBody>
+            <a:bodyPr wrap="square" rtlCol="0">
+              <a:spAutoFit/>
+            </a:bodyPr>
+            <a:lstStyle/>
+            <a:p>
+              <a:pPr algn="ctr"/>
+              <a:r>
+                <a:rPr lang="en-AU" sz="1200" b="1" dirty="0" smtClean="0">
+                  <a:solidFill>
+                    <a:schemeClr val="tx1">
+                      <a:lumMod val="85000"/>
+                      <a:lumOff val="15000"/>
+                    </a:schemeClr>
+                  </a:solidFill>
+                  <a:latin typeface="Segoe UI Light" panose="020B0502040204020203" pitchFamily="34" charset="0"/>
+                  <a:cs typeface="Segoe UI Light" panose="020B0502040204020203" pitchFamily="34" charset="0"/>
+                </a:rPr>
+                <a:t>Product</a:t>
+              </a:r>
+              <a:endParaRPr lang="en-AU" sz="1200" b="1" dirty="0" smtClean="0">
+                <a:solidFill>
+                  <a:schemeClr val="tx1">
+                    <a:lumMod val="85000"/>
+                    <a:lumOff val="15000"/>
+                  </a:schemeClr>
+                </a:solidFill>
+                <a:latin typeface="Segoe UI Light" panose="020B0502040204020203" pitchFamily="34" charset="0"/>
+                <a:cs typeface="Segoe UI Light" panose="020B0502040204020203" pitchFamily="34" charset="0"/>
+              </a:endParaRPr>
+            </a:p>
+          </p:txBody>
+        </p:sp>
+        <p:pic>
+          <p:nvPicPr>
+            <p:cNvPr id="16" name="Picture 15"/>
+            <p:cNvPicPr>
+              <a:picLocks noChangeAspect="1"/>
+            </p:cNvPicPr>
+            <p:nvPr/>
+          </p:nvPicPr>
+          <p:blipFill>
+            <a:blip r:embed="rId2"/>
+            <a:stretch>
+              <a:fillRect/>
+            </a:stretch>
+          </p:blipFill>
+          <p:spPr>
+            <a:xfrm flipH="1">
+              <a:off x="5064175" y="2496656"/>
+              <a:ext cx="668568" cy="658663"/>
+            </a:xfrm>
+            <a:prstGeom prst="rect">
+              <a:avLst/>
+            </a:prstGeom>
+          </p:spPr>
+        </p:pic>
+        <p:sp>
+          <p:nvSpPr>
+            <p:cNvPr id="17" name="TextBox 16"/>
+            <p:cNvSpPr txBox="1"/>
+            <p:nvPr/>
+          </p:nvSpPr>
+          <p:spPr>
+            <a:xfrm>
+              <a:off x="4948518" y="3155319"/>
+              <a:ext cx="899882" cy="276999"/>
+            </a:xfrm>
+            <a:prstGeom prst="rect">
+              <a:avLst/>
+            </a:prstGeom>
+            <a:noFill/>
+          </p:spPr>
+          <p:txBody>
+            <a:bodyPr wrap="square" rtlCol="0">
+              <a:spAutoFit/>
+            </a:bodyPr>
+            <a:lstStyle/>
+            <a:p>
+              <a:pPr algn="ctr"/>
+              <a:r>
+                <a:rPr lang="en-AU" sz="1200" b="1" dirty="0" smtClean="0">
+                  <a:solidFill>
+                    <a:schemeClr val="tx1">
+                      <a:lumMod val="85000"/>
+                      <a:lumOff val="15000"/>
+                    </a:schemeClr>
+                  </a:solidFill>
+                  <a:latin typeface="Segoe UI Light" panose="020B0502040204020203" pitchFamily="34" charset="0"/>
+                  <a:cs typeface="Segoe UI Light" panose="020B0502040204020203" pitchFamily="34" charset="0"/>
+                </a:rPr>
+                <a:t>Customer</a:t>
+              </a:r>
+              <a:endParaRPr lang="en-AU" sz="1200" b="1" dirty="0" smtClean="0">
+                <a:solidFill>
+                  <a:schemeClr val="tx1">
+                    <a:lumMod val="85000"/>
+                    <a:lumOff val="15000"/>
+                  </a:schemeClr>
+                </a:solidFill>
+                <a:latin typeface="Segoe UI Light" panose="020B0502040204020203" pitchFamily="34" charset="0"/>
+                <a:cs typeface="Segoe UI Light" panose="020B0502040204020203" pitchFamily="34" charset="0"/>
+              </a:endParaRPr>
+            </a:p>
+          </p:txBody>
+        </p:sp>
+        <p:pic>
+          <p:nvPicPr>
+            <p:cNvPr id="18" name="Picture 17"/>
+            <p:cNvPicPr>
+              <a:picLocks noChangeAspect="1"/>
+            </p:cNvPicPr>
+            <p:nvPr/>
+          </p:nvPicPr>
+          <p:blipFill>
+            <a:blip r:embed="rId2"/>
+            <a:stretch>
+              <a:fillRect/>
+            </a:stretch>
+          </p:blipFill>
+          <p:spPr>
+            <a:xfrm flipH="1">
+              <a:off x="5091969" y="3813982"/>
+              <a:ext cx="668568" cy="658663"/>
+            </a:xfrm>
+            <a:prstGeom prst="rect">
+              <a:avLst/>
+            </a:prstGeom>
+          </p:spPr>
+        </p:pic>
+        <p:sp>
+          <p:nvSpPr>
+            <p:cNvPr id="19" name="TextBox 18"/>
+            <p:cNvSpPr txBox="1"/>
+            <p:nvPr/>
+          </p:nvSpPr>
+          <p:spPr>
+            <a:xfrm>
+              <a:off x="4850467" y="4472645"/>
+              <a:ext cx="1095983" cy="276999"/>
+            </a:xfrm>
+            <a:prstGeom prst="rect">
+              <a:avLst/>
+            </a:prstGeom>
+            <a:noFill/>
+          </p:spPr>
+          <p:txBody>
+            <a:bodyPr wrap="square" rtlCol="0">
+              <a:spAutoFit/>
+            </a:bodyPr>
+            <a:lstStyle/>
+            <a:p>
+              <a:pPr algn="ctr"/>
+              <a:r>
+                <a:rPr lang="en-AU" sz="1200" b="1" dirty="0" smtClean="0">
+                  <a:solidFill>
+                    <a:schemeClr val="tx1">
+                      <a:lumMod val="85000"/>
+                      <a:lumOff val="15000"/>
+                    </a:schemeClr>
+                  </a:solidFill>
+                  <a:latin typeface="Segoe UI Light" panose="020B0502040204020203" pitchFamily="34" charset="0"/>
+                  <a:cs typeface="Segoe UI Light" panose="020B0502040204020203" pitchFamily="34" charset="0"/>
+                </a:rPr>
+                <a:t>Invoice Type</a:t>
+              </a:r>
+              <a:endParaRPr lang="en-AU" sz="1200" b="1" dirty="0" smtClean="0">
+                <a:solidFill>
+                  <a:schemeClr val="tx1">
+                    <a:lumMod val="85000"/>
+                    <a:lumOff val="15000"/>
+                  </a:schemeClr>
+                </a:solidFill>
+                <a:latin typeface="Segoe UI Light" panose="020B0502040204020203" pitchFamily="34" charset="0"/>
+                <a:cs typeface="Segoe UI Light" panose="020B0502040204020203" pitchFamily="34" charset="0"/>
+              </a:endParaRPr>
+            </a:p>
+          </p:txBody>
+        </p:sp>
+        <p:pic>
+          <p:nvPicPr>
+            <p:cNvPr id="20" name="Picture 19"/>
+            <p:cNvPicPr>
+              <a:picLocks noChangeAspect="1"/>
+            </p:cNvPicPr>
+            <p:nvPr/>
+          </p:nvPicPr>
+          <p:blipFill>
+            <a:blip r:embed="rId2"/>
+            <a:stretch>
+              <a:fillRect/>
+            </a:stretch>
+          </p:blipFill>
+          <p:spPr>
+            <a:xfrm flipH="1">
+              <a:off x="5042801" y="5129899"/>
+              <a:ext cx="668568" cy="658663"/>
+            </a:xfrm>
+            <a:prstGeom prst="rect">
+              <a:avLst/>
+            </a:prstGeom>
+          </p:spPr>
+        </p:pic>
+        <p:sp>
+          <p:nvSpPr>
+            <p:cNvPr id="21" name="TextBox 20"/>
+            <p:cNvSpPr txBox="1"/>
+            <p:nvPr/>
+          </p:nvSpPr>
+          <p:spPr>
+            <a:xfrm>
+              <a:off x="4850467" y="5788562"/>
+              <a:ext cx="997932" cy="461665"/>
+            </a:xfrm>
+            <a:prstGeom prst="rect">
+              <a:avLst/>
+            </a:prstGeom>
+            <a:noFill/>
+          </p:spPr>
+          <p:txBody>
+            <a:bodyPr wrap="square" rtlCol="0">
+              <a:spAutoFit/>
+            </a:bodyPr>
+            <a:lstStyle/>
+            <a:p>
+              <a:pPr algn="ctr"/>
+              <a:r>
+                <a:rPr lang="en-AU" sz="1200" b="1" dirty="0" smtClean="0">
+                  <a:solidFill>
+                    <a:schemeClr val="tx1">
+                      <a:lumMod val="85000"/>
+                      <a:lumOff val="15000"/>
+                    </a:schemeClr>
+                  </a:solidFill>
+                  <a:latin typeface="Segoe UI Light" panose="020B0502040204020203" pitchFamily="34" charset="0"/>
+                  <a:cs typeface="Segoe UI Light" panose="020B0502040204020203" pitchFamily="34" charset="0"/>
+                </a:rPr>
+                <a:t>Other Master data</a:t>
+              </a:r>
+              <a:endParaRPr lang="en-AU" sz="1200" b="1" dirty="0" smtClean="0">
+                <a:solidFill>
+                  <a:schemeClr val="tx1">
+                    <a:lumMod val="85000"/>
+                    <a:lumOff val="15000"/>
+                  </a:schemeClr>
+                </a:solidFill>
+                <a:latin typeface="Segoe UI Light" panose="020B0502040204020203" pitchFamily="34" charset="0"/>
+                <a:cs typeface="Segoe UI Light" panose="020B0502040204020203" pitchFamily="34" charset="0"/>
+              </a:endParaRPr>
+            </a:p>
+          </p:txBody>
+        </p:sp>
+        <p:cxnSp>
+          <p:nvCxnSpPr>
+            <p:cNvPr id="39" name="Straight Connector 38"/>
+            <p:cNvCxnSpPr/>
+            <p:nvPr/>
+          </p:nvCxnSpPr>
+          <p:spPr>
+            <a:xfrm flipH="1">
+              <a:off x="3898107" y="1036669"/>
+              <a:ext cx="1033" cy="5260614"/>
+            </a:xfrm>
+            <a:prstGeom prst="line">
+              <a:avLst/>
+            </a:prstGeom>
+          </p:spPr>
+          <p:style>
+            <a:lnRef idx="1">
+              <a:schemeClr val="accent1"/>
+            </a:lnRef>
+            <a:fillRef idx="0">
+              <a:schemeClr val="accent1"/>
+            </a:fillRef>
+            <a:effectRef idx="0">
+              <a:schemeClr val="accent1"/>
+            </a:effectRef>
+            <a:fontRef idx="minor">
+              <a:schemeClr val="tx1"/>
+            </a:fontRef>
+          </p:style>
+        </p:cxnSp>
+        <p:cxnSp>
+          <p:nvCxnSpPr>
+            <p:cNvPr id="41" name="Straight Connector 40"/>
+            <p:cNvCxnSpPr/>
+            <p:nvPr/>
+          </p:nvCxnSpPr>
+          <p:spPr>
+            <a:xfrm flipH="1">
+              <a:off x="6809073" y="995843"/>
+              <a:ext cx="1033" cy="5260614"/>
+            </a:xfrm>
+            <a:prstGeom prst="line">
+              <a:avLst/>
+            </a:prstGeom>
+          </p:spPr>
+          <p:style>
+            <a:lnRef idx="1">
+              <a:schemeClr val="accent1"/>
+            </a:lnRef>
+            <a:fillRef idx="0">
+              <a:schemeClr val="accent1"/>
+            </a:fillRef>
+            <a:effectRef idx="0">
+              <a:schemeClr val="accent1"/>
+            </a:effectRef>
+            <a:fontRef idx="minor">
+              <a:schemeClr val="tx1"/>
+            </a:fontRef>
+          </p:style>
+        </p:cxnSp>
+        <p:sp>
+          <p:nvSpPr>
+            <p:cNvPr id="43" name="TextBox 42"/>
+            <p:cNvSpPr txBox="1"/>
+            <p:nvPr/>
+          </p:nvSpPr>
+          <p:spPr>
+            <a:xfrm>
+              <a:off x="4067075" y="594589"/>
+              <a:ext cx="2662765" cy="461665"/>
+            </a:xfrm>
+            <a:prstGeom prst="rect">
+              <a:avLst/>
+            </a:prstGeom>
+            <a:noFill/>
+          </p:spPr>
+          <p:txBody>
+            <a:bodyPr wrap="square" rtlCol="0">
+              <a:spAutoFit/>
+            </a:bodyPr>
+            <a:lstStyle/>
+            <a:p>
+              <a:pPr algn="ctr"/>
+              <a:r>
+                <a:rPr lang="en-AU" sz="1200" b="1" dirty="0" smtClean="0">
+                  <a:solidFill>
+                    <a:schemeClr val="tx1">
+                      <a:lumMod val="85000"/>
+                      <a:lumOff val="15000"/>
+                    </a:schemeClr>
+                  </a:solidFill>
+                  <a:latin typeface="Segoe UI Light" panose="020B0502040204020203" pitchFamily="34" charset="0"/>
+                  <a:cs typeface="Segoe UI Light" panose="020B0502040204020203" pitchFamily="34" charset="0"/>
+                </a:rPr>
+                <a:t>Load remaining Dimension or Reference data in parallel</a:t>
+              </a:r>
+              <a:endParaRPr lang="en-AU" sz="1200" b="1" dirty="0" smtClean="0">
+                <a:solidFill>
+                  <a:schemeClr val="tx1">
+                    <a:lumMod val="85000"/>
+                    <a:lumOff val="15000"/>
+                  </a:schemeClr>
+                </a:solidFill>
+                <a:latin typeface="Segoe UI Light" panose="020B0502040204020203" pitchFamily="34" charset="0"/>
+                <a:cs typeface="Segoe UI Light" panose="020B0502040204020203" pitchFamily="34" charset="0"/>
+              </a:endParaRPr>
+            </a:p>
+          </p:txBody>
+        </p:sp>
+      </p:grpSp>
+      <p:sp>
+        <p:nvSpPr>
+          <p:cNvPr id="44" name="TextBox 43"/>
+          <p:cNvSpPr txBox="1"/>
+          <p:nvPr/>
+        </p:nvSpPr>
+        <p:spPr>
+          <a:xfrm>
+            <a:off x="8632352" y="1443985"/>
+            <a:ext cx="2662765" cy="276999"/>
+          </a:xfrm>
+          <a:prstGeom prst="rect">
+            <a:avLst/>
+          </a:prstGeom>
+          <a:noFill/>
+        </p:spPr>
+        <p:txBody>
+          <a:bodyPr wrap="square" rtlCol="0">
+            <a:spAutoFit/>
+          </a:bodyPr>
+          <a:lstStyle/>
+          <a:p>
+            <a:pPr algn="ctr"/>
+            <a:r>
+              <a:rPr lang="en-AU" sz="1200" b="1" dirty="0" smtClean="0">
+                <a:solidFill>
+                  <a:schemeClr val="tx1">
+                    <a:lumMod val="85000"/>
+                    <a:lumOff val="15000"/>
+                  </a:schemeClr>
+                </a:solidFill>
+                <a:latin typeface="Segoe UI Light" panose="020B0502040204020203" pitchFamily="34" charset="0"/>
+                <a:cs typeface="Segoe UI Light" panose="020B0502040204020203" pitchFamily="34" charset="0"/>
+              </a:rPr>
+              <a:t>Load transactions data in parallel</a:t>
+            </a:r>
+            <a:endParaRPr lang="en-AU" sz="1200" b="1" dirty="0" smtClean="0">
+              <a:solidFill>
+                <a:schemeClr val="tx1">
+                  <a:lumMod val="85000"/>
+                  <a:lumOff val="15000"/>
+                </a:schemeClr>
+              </a:solidFill>
+              <a:latin typeface="Segoe UI Light" panose="020B0502040204020203" pitchFamily="34" charset="0"/>
+              <a:cs typeface="Segoe UI Light" panose="020B0502040204020203" pitchFamily="34" charset="0"/>
+            </a:endParaRPr>
+          </a:p>
+        </p:txBody>
+      </p:sp>
+      <p:cxnSp>
+        <p:nvCxnSpPr>
+          <p:cNvPr id="47" name="Straight Arrow Connector 46"/>
+          <p:cNvCxnSpPr>
+            <a:stCxn id="10" idx="1"/>
+          </p:cNvCxnSpPr>
+          <p:nvPr/>
+        </p:nvCxnSpPr>
+        <p:spPr>
+          <a:xfrm>
+            <a:off x="3837374" y="3215276"/>
+            <a:ext cx="846770" cy="0"/>
+          </a:xfrm>
+          <a:prstGeom prst="straightConnector1">
+            <a:avLst/>
+          </a:prstGeom>
+          <a:ln>
+            <a:tailEnd type="triangle"/>
+          </a:ln>
+        </p:spPr>
+        <p:style>
+          <a:lnRef idx="1">
+            <a:schemeClr val="accent1"/>
+          </a:lnRef>
+          <a:fillRef idx="0">
+            <a:schemeClr val="accent1"/>
+          </a:fillRef>
+          <a:effectRef idx="0">
+            <a:schemeClr val="accent1"/>
+          </a:effectRef>
+          <a:fontRef idx="minor">
+            <a:schemeClr val="tx1"/>
+          </a:fontRef>
+        </p:style>
+      </p:cxnSp>
+      <p:cxnSp>
+        <p:nvCxnSpPr>
+          <p:cNvPr id="50" name="Straight Arrow Connector 49"/>
+          <p:cNvCxnSpPr/>
+          <p:nvPr/>
+        </p:nvCxnSpPr>
+        <p:spPr>
+          <a:xfrm>
+            <a:off x="7738782" y="3253990"/>
+            <a:ext cx="1353460" cy="0"/>
+          </a:xfrm>
+          <a:prstGeom prst="straightConnector1">
+            <a:avLst/>
+          </a:prstGeom>
+          <a:ln>
+            <a:tailEnd type="triangle"/>
+          </a:ln>
+        </p:spPr>
+        <p:style>
+          <a:lnRef idx="1">
+            <a:schemeClr val="accent1"/>
+          </a:lnRef>
+          <a:fillRef idx="0">
+            <a:schemeClr val="accent1"/>
+          </a:fillRef>
+          <a:effectRef idx="0">
+            <a:schemeClr val="accent1"/>
+          </a:effectRef>
+          <a:fontRef idx="minor">
+            <a:schemeClr val="tx1"/>
+          </a:fontRef>
+        </p:style>
+      </p:cxnSp>
+    </p:spTree>
+    <p:extLst>
+      <p:ext uri="{BB962C8B-B14F-4D97-AF65-F5344CB8AC3E}">
+        <p14:creationId xmlns:p14="http://schemas.microsoft.com/office/powerpoint/2010/main" val="1060096188"/>
+      </p:ext>
+    </p:extLst>
+  </p:cSld>
+  <p:clrMapOvr>
+    <a:masterClrMapping/>
+  </p:clrMapOvr>
+</p:sld>
+</file>
+
+<file path=ppt/slides/slide6.xml><?xml version="1.0" encoding="utf-8"?>
+<p:sld xmlns:a="http://schemas.openxmlformats.org/drawingml/2006/main" xmlns:r="http://schemas.openxmlformats.org/officeDocument/2006/relationships" xmlns:p="http://schemas.openxmlformats.org/presentationml/2006/main">
+  <p:cSld>
+    <p:spTree>
+      <p:nvGrpSpPr>
+        <p:cNvPr id="1" name=""/>
+        <p:cNvGrpSpPr/>
+        <p:nvPr/>
+      </p:nvGrpSpPr>
+      <p:grpSpPr>
+        <a:xfrm>
+          <a:off x="0" y="0"/>
+          <a:ext cx="0" cy="0"/>
+          <a:chOff x="0" y="0"/>
+          <a:chExt cx="0" cy="0"/>
+        </a:xfrm>
+      </p:grpSpPr>
+      <p:grpSp>
+        <p:nvGrpSpPr>
+          <p:cNvPr id="2" name="Group 1"/>
+          <p:cNvGrpSpPr/>
+          <p:nvPr/>
+        </p:nvGrpSpPr>
+        <p:grpSpPr>
+          <a:xfrm>
+            <a:off x="5410690" y="2822030"/>
+            <a:ext cx="1316438" cy="1584130"/>
+            <a:chOff x="9333310" y="2386171"/>
+            <a:chExt cx="1316438" cy="1584130"/>
+          </a:xfrm>
+        </p:grpSpPr>
+        <p:pic>
+          <p:nvPicPr>
+            <p:cNvPr id="30" name="Picture 29"/>
+            <p:cNvPicPr>
+              <a:picLocks noChangeAspect="1"/>
+            </p:cNvPicPr>
+            <p:nvPr/>
+          </p:nvPicPr>
+          <p:blipFill>
+            <a:blip r:embed="rId2">
+              <a:duotone>
+                <a:schemeClr val="accent2">
+                  <a:shade val="45000"/>
+                  <a:satMod val="135000"/>
+                </a:schemeClr>
+                <a:prstClr val="white"/>
+              </a:duotone>
+            </a:blip>
+            <a:stretch>
+              <a:fillRect/>
+            </a:stretch>
+          </p:blipFill>
+          <p:spPr>
+            <a:xfrm flipH="1">
+              <a:off x="9333310" y="2386171"/>
+              <a:ext cx="1316438" cy="1296935"/>
+            </a:xfrm>
+            <a:prstGeom prst="rect">
+              <a:avLst/>
+            </a:prstGeom>
+          </p:spPr>
+        </p:pic>
+        <p:sp>
+          <p:nvSpPr>
+            <p:cNvPr id="31" name="TextBox 30"/>
+            <p:cNvSpPr txBox="1"/>
+            <p:nvPr/>
+          </p:nvSpPr>
+          <p:spPr>
+            <a:xfrm>
+              <a:off x="9513794" y="3693302"/>
+              <a:ext cx="899882" cy="276999"/>
+            </a:xfrm>
+            <a:prstGeom prst="rect">
+              <a:avLst/>
+            </a:prstGeom>
+            <a:noFill/>
+          </p:spPr>
+          <p:txBody>
+            <a:bodyPr wrap="square" rtlCol="0">
+              <a:spAutoFit/>
+            </a:bodyPr>
+            <a:lstStyle/>
+            <a:p>
+              <a:pPr algn="ctr"/>
+              <a:r>
+                <a:rPr lang="en-AU" sz="1200" b="1" dirty="0" smtClean="0">
+                  <a:solidFill>
+                    <a:schemeClr val="tx1">
+                      <a:lumMod val="85000"/>
+                      <a:lumOff val="15000"/>
+                    </a:schemeClr>
+                  </a:solidFill>
+                  <a:latin typeface="Segoe UI Light" panose="020B0502040204020203" pitchFamily="34" charset="0"/>
+                  <a:cs typeface="Segoe UI Light" panose="020B0502040204020203" pitchFamily="34" charset="0"/>
+                </a:rPr>
+                <a:t>Sales</a:t>
+              </a:r>
+              <a:endParaRPr lang="en-AU" sz="1200" b="1" dirty="0" smtClean="0">
+                <a:solidFill>
+                  <a:schemeClr val="tx1">
+                    <a:lumMod val="85000"/>
+                    <a:lumOff val="15000"/>
+                  </a:schemeClr>
+                </a:solidFill>
+                <a:latin typeface="Segoe UI Light" panose="020B0502040204020203" pitchFamily="34" charset="0"/>
+                <a:cs typeface="Segoe UI Light" panose="020B0502040204020203" pitchFamily="34" charset="0"/>
+              </a:endParaRPr>
+            </a:p>
+          </p:txBody>
+        </p:sp>
+      </p:grpSp>
+      <p:grpSp>
+        <p:nvGrpSpPr>
+          <p:cNvPr id="3" name="Group 2"/>
+          <p:cNvGrpSpPr/>
+          <p:nvPr/>
+        </p:nvGrpSpPr>
+        <p:grpSpPr>
+          <a:xfrm>
+            <a:off x="8277009" y="1790976"/>
+            <a:ext cx="899882" cy="935662"/>
+            <a:chOff x="5878226" y="1323172"/>
+            <a:chExt cx="899882" cy="935662"/>
+          </a:xfrm>
+        </p:grpSpPr>
+        <p:pic>
+          <p:nvPicPr>
+            <p:cNvPr id="14" name="Picture 13"/>
+            <p:cNvPicPr>
+              <a:picLocks noChangeAspect="1"/>
+            </p:cNvPicPr>
+            <p:nvPr/>
+          </p:nvPicPr>
+          <p:blipFill>
+            <a:blip r:embed="rId2"/>
+            <a:stretch>
+              <a:fillRect/>
+            </a:stretch>
+          </p:blipFill>
+          <p:spPr>
+            <a:xfrm flipH="1">
+              <a:off x="5993883" y="1323172"/>
+              <a:ext cx="668568" cy="658663"/>
+            </a:xfrm>
+            <a:prstGeom prst="rect">
+              <a:avLst/>
+            </a:prstGeom>
+          </p:spPr>
+        </p:pic>
+        <p:sp>
+          <p:nvSpPr>
+            <p:cNvPr id="15" name="TextBox 14"/>
+            <p:cNvSpPr txBox="1"/>
+            <p:nvPr/>
+          </p:nvSpPr>
+          <p:spPr>
+            <a:xfrm>
+              <a:off x="5878226" y="1981835"/>
+              <a:ext cx="899882" cy="276999"/>
+            </a:xfrm>
+            <a:prstGeom prst="rect">
+              <a:avLst/>
+            </a:prstGeom>
+            <a:noFill/>
+          </p:spPr>
+          <p:txBody>
+            <a:bodyPr wrap="square" rtlCol="0">
+              <a:spAutoFit/>
+            </a:bodyPr>
+            <a:lstStyle/>
+            <a:p>
+              <a:pPr algn="ctr"/>
+              <a:r>
+                <a:rPr lang="en-AU" sz="1200" b="1" dirty="0" smtClean="0">
+                  <a:solidFill>
+                    <a:schemeClr val="tx1">
+                      <a:lumMod val="85000"/>
+                      <a:lumOff val="15000"/>
+                    </a:schemeClr>
+                  </a:solidFill>
+                  <a:latin typeface="Segoe UI Light" panose="020B0502040204020203" pitchFamily="34" charset="0"/>
+                  <a:cs typeface="Segoe UI Light" panose="020B0502040204020203" pitchFamily="34" charset="0"/>
+                </a:rPr>
+                <a:t>Product</a:t>
+              </a:r>
+              <a:endParaRPr lang="en-AU" sz="1200" b="1" dirty="0" smtClean="0">
+                <a:solidFill>
+                  <a:schemeClr val="tx1">
+                    <a:lumMod val="85000"/>
+                    <a:lumOff val="15000"/>
+                  </a:schemeClr>
+                </a:solidFill>
+                <a:latin typeface="Segoe UI Light" panose="020B0502040204020203" pitchFamily="34" charset="0"/>
+                <a:cs typeface="Segoe UI Light" panose="020B0502040204020203" pitchFamily="34" charset="0"/>
+              </a:endParaRPr>
+            </a:p>
+          </p:txBody>
+        </p:sp>
+      </p:grpSp>
+      <p:grpSp>
+        <p:nvGrpSpPr>
+          <p:cNvPr id="6" name="Group 5"/>
+          <p:cNvGrpSpPr/>
+          <p:nvPr/>
+        </p:nvGrpSpPr>
+        <p:grpSpPr>
+          <a:xfrm>
+            <a:off x="2873052" y="2354199"/>
+            <a:ext cx="1095983" cy="935662"/>
+            <a:chOff x="5780176" y="3912653"/>
+            <a:chExt cx="1095983" cy="935662"/>
+          </a:xfrm>
+        </p:grpSpPr>
+        <p:pic>
+          <p:nvPicPr>
+            <p:cNvPr id="18" name="Picture 17"/>
+            <p:cNvPicPr>
+              <a:picLocks noChangeAspect="1"/>
+            </p:cNvPicPr>
+            <p:nvPr/>
+          </p:nvPicPr>
+          <p:blipFill>
+            <a:blip r:embed="rId2"/>
+            <a:stretch>
+              <a:fillRect/>
+            </a:stretch>
+          </p:blipFill>
+          <p:spPr>
+            <a:xfrm flipH="1">
+              <a:off x="6021678" y="3912653"/>
+              <a:ext cx="668568" cy="658663"/>
+            </a:xfrm>
+            <a:prstGeom prst="rect">
+              <a:avLst/>
+            </a:prstGeom>
+          </p:spPr>
+        </p:pic>
+        <p:sp>
+          <p:nvSpPr>
+            <p:cNvPr id="19" name="TextBox 18"/>
+            <p:cNvSpPr txBox="1"/>
+            <p:nvPr/>
+          </p:nvSpPr>
+          <p:spPr>
+            <a:xfrm>
+              <a:off x="5780176" y="4571316"/>
+              <a:ext cx="1095983" cy="276999"/>
+            </a:xfrm>
+            <a:prstGeom prst="rect">
+              <a:avLst/>
+            </a:prstGeom>
+            <a:noFill/>
+          </p:spPr>
+          <p:txBody>
+            <a:bodyPr wrap="square" rtlCol="0">
+              <a:spAutoFit/>
+            </a:bodyPr>
+            <a:lstStyle/>
+            <a:p>
+              <a:pPr algn="ctr"/>
+              <a:r>
+                <a:rPr lang="en-AU" sz="1200" b="1" dirty="0" smtClean="0">
+                  <a:solidFill>
+                    <a:schemeClr val="tx1">
+                      <a:lumMod val="85000"/>
+                      <a:lumOff val="15000"/>
+                    </a:schemeClr>
+                  </a:solidFill>
+                  <a:latin typeface="Segoe UI Light" panose="020B0502040204020203" pitchFamily="34" charset="0"/>
+                  <a:cs typeface="Segoe UI Light" panose="020B0502040204020203" pitchFamily="34" charset="0"/>
+                </a:rPr>
+                <a:t>Invoice Type</a:t>
+              </a:r>
+              <a:endParaRPr lang="en-AU" sz="1200" b="1" dirty="0" smtClean="0">
+                <a:solidFill>
+                  <a:schemeClr val="tx1">
+                    <a:lumMod val="85000"/>
+                    <a:lumOff val="15000"/>
+                  </a:schemeClr>
+                </a:solidFill>
+                <a:latin typeface="Segoe UI Light" panose="020B0502040204020203" pitchFamily="34" charset="0"/>
+                <a:cs typeface="Segoe UI Light" panose="020B0502040204020203" pitchFamily="34" charset="0"/>
+              </a:endParaRPr>
+            </a:p>
+          </p:txBody>
+        </p:sp>
+      </p:grpSp>
+      <p:grpSp>
+        <p:nvGrpSpPr>
+          <p:cNvPr id="12" name="Group 11"/>
+          <p:cNvGrpSpPr/>
+          <p:nvPr/>
+        </p:nvGrpSpPr>
+        <p:grpSpPr>
+          <a:xfrm>
+            <a:off x="3442417" y="4406160"/>
+            <a:ext cx="997932" cy="1120328"/>
+            <a:chOff x="5780176" y="5228570"/>
+            <a:chExt cx="997932" cy="1120328"/>
+          </a:xfrm>
+        </p:grpSpPr>
+        <p:pic>
+          <p:nvPicPr>
+            <p:cNvPr id="20" name="Picture 19"/>
+            <p:cNvPicPr>
+              <a:picLocks noChangeAspect="1"/>
+            </p:cNvPicPr>
+            <p:nvPr/>
+          </p:nvPicPr>
+          <p:blipFill>
+            <a:blip r:embed="rId2"/>
+            <a:stretch>
+              <a:fillRect/>
+            </a:stretch>
+          </p:blipFill>
+          <p:spPr>
+            <a:xfrm flipH="1">
+              <a:off x="5972510" y="5228570"/>
+              <a:ext cx="668568" cy="658663"/>
+            </a:xfrm>
+            <a:prstGeom prst="rect">
+              <a:avLst/>
+            </a:prstGeom>
+          </p:spPr>
+        </p:pic>
+        <p:sp>
+          <p:nvSpPr>
+            <p:cNvPr id="21" name="TextBox 20"/>
+            <p:cNvSpPr txBox="1"/>
+            <p:nvPr/>
+          </p:nvSpPr>
+          <p:spPr>
+            <a:xfrm>
+              <a:off x="5780176" y="5887233"/>
+              <a:ext cx="997932" cy="461665"/>
+            </a:xfrm>
+            <a:prstGeom prst="rect">
+              <a:avLst/>
+            </a:prstGeom>
+            <a:noFill/>
+          </p:spPr>
+          <p:txBody>
+            <a:bodyPr wrap="square" rtlCol="0">
+              <a:spAutoFit/>
+            </a:bodyPr>
+            <a:lstStyle/>
+            <a:p>
+              <a:pPr algn="ctr"/>
+              <a:r>
+                <a:rPr lang="en-AU" sz="1200" b="1" dirty="0" smtClean="0">
+                  <a:solidFill>
+                    <a:schemeClr val="tx1">
+                      <a:lumMod val="85000"/>
+                      <a:lumOff val="15000"/>
+                    </a:schemeClr>
+                  </a:solidFill>
+                  <a:latin typeface="Segoe UI Light" panose="020B0502040204020203" pitchFamily="34" charset="0"/>
+                  <a:cs typeface="Segoe UI Light" panose="020B0502040204020203" pitchFamily="34" charset="0"/>
+                </a:rPr>
+                <a:t>Other Master data</a:t>
+              </a:r>
+              <a:endParaRPr lang="en-AU" sz="1200" b="1" dirty="0" smtClean="0">
+                <a:solidFill>
+                  <a:schemeClr val="tx1">
+                    <a:lumMod val="85000"/>
+                    <a:lumOff val="15000"/>
+                  </a:schemeClr>
+                </a:solidFill>
+                <a:latin typeface="Segoe UI Light" panose="020B0502040204020203" pitchFamily="34" charset="0"/>
+                <a:cs typeface="Segoe UI Light" panose="020B0502040204020203" pitchFamily="34" charset="0"/>
+              </a:endParaRPr>
+            </a:p>
+          </p:txBody>
+        </p:sp>
+      </p:grpSp>
+      <p:grpSp>
+        <p:nvGrpSpPr>
+          <p:cNvPr id="13" name="Group 12"/>
+          <p:cNvGrpSpPr/>
+          <p:nvPr/>
+        </p:nvGrpSpPr>
+        <p:grpSpPr>
+          <a:xfrm>
+            <a:off x="6961515" y="4827824"/>
+            <a:ext cx="1561381" cy="1304994"/>
+            <a:chOff x="10023893" y="4896835"/>
+            <a:chExt cx="1561381" cy="1304994"/>
+          </a:xfrm>
+        </p:grpSpPr>
+        <p:pic>
+          <p:nvPicPr>
+            <p:cNvPr id="38" name="Picture 37"/>
+            <p:cNvPicPr>
+              <a:picLocks noChangeAspect="1"/>
+            </p:cNvPicPr>
+            <p:nvPr/>
+          </p:nvPicPr>
+          <p:blipFill>
+            <a:blip r:embed="rId2"/>
+            <a:stretch>
+              <a:fillRect/>
+            </a:stretch>
+          </p:blipFill>
+          <p:spPr>
+            <a:xfrm flipH="1">
+              <a:off x="10463006" y="4896835"/>
+              <a:ext cx="668568" cy="658663"/>
+            </a:xfrm>
+            <a:prstGeom prst="rect">
+              <a:avLst/>
+            </a:prstGeom>
+          </p:spPr>
+        </p:pic>
+        <p:sp>
+          <p:nvSpPr>
+            <p:cNvPr id="40" name="TextBox 39"/>
+            <p:cNvSpPr txBox="1"/>
+            <p:nvPr/>
+          </p:nvSpPr>
+          <p:spPr>
+            <a:xfrm>
+              <a:off x="10023893" y="5555498"/>
+              <a:ext cx="1561381" cy="646331"/>
+            </a:xfrm>
+            <a:prstGeom prst="rect">
+              <a:avLst/>
+            </a:prstGeom>
+            <a:noFill/>
+          </p:spPr>
+          <p:txBody>
+            <a:bodyPr wrap="square" rtlCol="0">
+              <a:spAutoFit/>
+            </a:bodyPr>
+            <a:lstStyle/>
+            <a:p>
+              <a:pPr algn="ctr"/>
+              <a:r>
+                <a:rPr lang="en-AU" sz="1200" b="1" dirty="0" smtClean="0">
+                  <a:solidFill>
+                    <a:schemeClr val="tx1">
+                      <a:lumMod val="85000"/>
+                      <a:lumOff val="15000"/>
+                    </a:schemeClr>
+                  </a:solidFill>
+                  <a:latin typeface="Segoe UI Light" panose="020B0502040204020203" pitchFamily="34" charset="0"/>
+                  <a:cs typeface="Segoe UI Light" panose="020B0502040204020203" pitchFamily="34" charset="0"/>
+                </a:rPr>
+                <a:t>Geography </a:t>
+              </a:r>
+              <a:r>
+                <a:rPr lang="en-AU" sz="1200" b="1" dirty="0" smtClean="0">
+                  <a:solidFill>
+                    <a:schemeClr val="tx1">
+                      <a:lumMod val="85000"/>
+                      <a:lumOff val="15000"/>
+                    </a:schemeClr>
+                  </a:solidFill>
+                  <a:latin typeface="Segoe UI Light" panose="020B0502040204020203" pitchFamily="34" charset="0"/>
+                  <a:cs typeface="Segoe UI Light" panose="020B0502040204020203" pitchFamily="34" charset="0"/>
+                </a:rPr>
+                <a:t>comprising Country, State and City</a:t>
+              </a:r>
+              <a:endParaRPr lang="en-AU" sz="1200" b="1" dirty="0" smtClean="0">
+                <a:solidFill>
+                  <a:schemeClr val="tx1">
+                    <a:lumMod val="85000"/>
+                    <a:lumOff val="15000"/>
+                  </a:schemeClr>
+                </a:solidFill>
+                <a:latin typeface="Segoe UI Light" panose="020B0502040204020203" pitchFamily="34" charset="0"/>
+                <a:cs typeface="Segoe UI Light" panose="020B0502040204020203" pitchFamily="34" charset="0"/>
+              </a:endParaRPr>
+            </a:p>
+          </p:txBody>
+        </p:sp>
+      </p:grpSp>
+      <p:cxnSp>
+        <p:nvCxnSpPr>
+          <p:cNvPr id="23" name="Straight Arrow Connector 22"/>
+          <p:cNvCxnSpPr>
+            <a:stCxn id="30" idx="0"/>
+            <a:endCxn id="16" idx="2"/>
+          </p:cNvCxnSpPr>
+          <p:nvPr/>
+        </p:nvCxnSpPr>
+        <p:spPr>
+          <a:xfrm flipV="1">
+            <a:off x="6068909" y="1385033"/>
+            <a:ext cx="112610" cy="1436997"/>
+          </a:xfrm>
+          <a:prstGeom prst="straightConnector1">
+            <a:avLst/>
+          </a:prstGeom>
+          <a:ln w="63500">
+            <a:solidFill>
+              <a:schemeClr val="bg2">
+                <a:lumMod val="75000"/>
+              </a:schemeClr>
+            </a:solidFill>
+            <a:tailEnd type="triangle"/>
+          </a:ln>
+        </p:spPr>
+        <p:style>
+          <a:lnRef idx="1">
+            <a:schemeClr val="accent1"/>
+          </a:lnRef>
+          <a:fillRef idx="0">
+            <a:schemeClr val="accent1"/>
+          </a:fillRef>
+          <a:effectRef idx="0">
+            <a:schemeClr val="accent1"/>
+          </a:effectRef>
+          <a:fontRef idx="minor">
+            <a:schemeClr val="tx1"/>
+          </a:fontRef>
+        </p:style>
+      </p:cxnSp>
+      <p:cxnSp>
+        <p:nvCxnSpPr>
+          <p:cNvPr id="25" name="Straight Arrow Connector 24"/>
+          <p:cNvCxnSpPr>
+            <a:stCxn id="30" idx="3"/>
+            <a:endCxn id="18" idx="1"/>
+          </p:cNvCxnSpPr>
+          <p:nvPr/>
+        </p:nvCxnSpPr>
+        <p:spPr>
+          <a:xfrm flipH="1" flipV="1">
+            <a:off x="3783122" y="2683531"/>
+            <a:ext cx="1627568" cy="786967"/>
+          </a:xfrm>
+          <a:prstGeom prst="straightConnector1">
+            <a:avLst/>
+          </a:prstGeom>
+          <a:ln w="63500">
+            <a:solidFill>
+              <a:schemeClr val="bg2">
+                <a:lumMod val="75000"/>
+              </a:schemeClr>
+            </a:solidFill>
+            <a:tailEnd type="triangle"/>
+          </a:ln>
+        </p:spPr>
+        <p:style>
+          <a:lnRef idx="1">
+            <a:schemeClr val="accent1"/>
+          </a:lnRef>
+          <a:fillRef idx="0">
+            <a:schemeClr val="accent1"/>
+          </a:fillRef>
+          <a:effectRef idx="0">
+            <a:schemeClr val="accent1"/>
+          </a:effectRef>
+          <a:fontRef idx="minor">
+            <a:schemeClr val="tx1"/>
+          </a:fontRef>
+        </p:style>
+      </p:cxnSp>
+      <p:cxnSp>
+        <p:nvCxnSpPr>
+          <p:cNvPr id="27" name="Straight Arrow Connector 26"/>
+          <p:cNvCxnSpPr>
+            <a:stCxn id="31" idx="1"/>
+            <a:endCxn id="20" idx="1"/>
+          </p:cNvCxnSpPr>
+          <p:nvPr/>
+        </p:nvCxnSpPr>
+        <p:spPr>
+          <a:xfrm flipH="1">
+            <a:off x="4303319" y="4267661"/>
+            <a:ext cx="1287855" cy="467831"/>
+          </a:xfrm>
+          <a:prstGeom prst="straightConnector1">
+            <a:avLst/>
+          </a:prstGeom>
+          <a:ln w="63500">
+            <a:solidFill>
+              <a:schemeClr val="bg2">
+                <a:lumMod val="75000"/>
+              </a:schemeClr>
+            </a:solidFill>
+            <a:tailEnd type="triangle"/>
+          </a:ln>
+        </p:spPr>
+        <p:style>
+          <a:lnRef idx="1">
+            <a:schemeClr val="accent1"/>
+          </a:lnRef>
+          <a:fillRef idx="0">
+            <a:schemeClr val="accent1"/>
+          </a:fillRef>
+          <a:effectRef idx="0">
+            <a:schemeClr val="accent1"/>
+          </a:effectRef>
+          <a:fontRef idx="minor">
+            <a:schemeClr val="tx1"/>
+          </a:fontRef>
+        </p:style>
+      </p:cxnSp>
+      <p:cxnSp>
+        <p:nvCxnSpPr>
+          <p:cNvPr id="29" name="Straight Arrow Connector 28"/>
+          <p:cNvCxnSpPr>
+            <a:stCxn id="30" idx="1"/>
+            <a:endCxn id="14" idx="3"/>
+          </p:cNvCxnSpPr>
+          <p:nvPr/>
+        </p:nvCxnSpPr>
+        <p:spPr>
+          <a:xfrm flipV="1">
+            <a:off x="6727128" y="2120308"/>
+            <a:ext cx="1665538" cy="1350190"/>
+          </a:xfrm>
+          <a:prstGeom prst="straightConnector1">
+            <a:avLst/>
+          </a:prstGeom>
+          <a:ln w="63500">
+            <a:solidFill>
+              <a:schemeClr val="bg2">
+                <a:lumMod val="75000"/>
+              </a:schemeClr>
+            </a:solidFill>
+            <a:tailEnd type="triangle"/>
+          </a:ln>
+        </p:spPr>
+        <p:style>
+          <a:lnRef idx="1">
+            <a:schemeClr val="accent1"/>
+          </a:lnRef>
+          <a:fillRef idx="0">
+            <a:schemeClr val="accent1"/>
+          </a:fillRef>
+          <a:effectRef idx="0">
+            <a:schemeClr val="accent1"/>
+          </a:effectRef>
+          <a:fontRef idx="minor">
+            <a:schemeClr val="tx1"/>
+          </a:fontRef>
+        </p:style>
+      </p:cxnSp>
+      <p:cxnSp>
+        <p:nvCxnSpPr>
+          <p:cNvPr id="46" name="Straight Arrow Connector 45"/>
+          <p:cNvCxnSpPr>
+            <a:stCxn id="31" idx="3"/>
+            <a:endCxn id="38" idx="0"/>
+          </p:cNvCxnSpPr>
+          <p:nvPr/>
+        </p:nvCxnSpPr>
+        <p:spPr>
+          <a:xfrm>
+            <a:off x="6491056" y="4267661"/>
+            <a:ext cx="1243856" cy="560163"/>
+          </a:xfrm>
+          <a:prstGeom prst="straightConnector1">
+            <a:avLst/>
+          </a:prstGeom>
+          <a:ln w="63500">
+            <a:solidFill>
+              <a:schemeClr val="bg2">
+                <a:lumMod val="75000"/>
+              </a:schemeClr>
+            </a:solidFill>
+            <a:tailEnd type="triangle"/>
+          </a:ln>
+        </p:spPr>
+        <p:style>
+          <a:lnRef idx="1">
+            <a:schemeClr val="accent1"/>
+          </a:lnRef>
+          <a:fillRef idx="0">
+            <a:schemeClr val="accent1"/>
+          </a:fillRef>
+          <a:effectRef idx="0">
+            <a:schemeClr val="accent1"/>
+          </a:effectRef>
+          <a:fontRef idx="minor">
+            <a:schemeClr val="tx1"/>
+          </a:fontRef>
+        </p:style>
+      </p:cxnSp>
+      <p:grpSp>
+        <p:nvGrpSpPr>
+          <p:cNvPr id="4" name="Group 3"/>
+          <p:cNvGrpSpPr/>
+          <p:nvPr/>
+        </p:nvGrpSpPr>
+        <p:grpSpPr>
+          <a:xfrm>
+            <a:off x="5731578" y="726370"/>
+            <a:ext cx="899882" cy="935662"/>
+            <a:chOff x="5878227" y="2595327"/>
+            <a:chExt cx="899882" cy="935662"/>
+          </a:xfrm>
+        </p:grpSpPr>
+        <p:pic>
+          <p:nvPicPr>
+            <p:cNvPr id="16" name="Picture 15"/>
+            <p:cNvPicPr>
+              <a:picLocks noChangeAspect="1"/>
+            </p:cNvPicPr>
+            <p:nvPr/>
+          </p:nvPicPr>
+          <p:blipFill>
+            <a:blip r:embed="rId2"/>
+            <a:stretch>
+              <a:fillRect/>
+            </a:stretch>
+          </p:blipFill>
+          <p:spPr>
+            <a:xfrm flipH="1">
+              <a:off x="5993884" y="2595327"/>
+              <a:ext cx="668568" cy="658663"/>
+            </a:xfrm>
+            <a:prstGeom prst="rect">
+              <a:avLst/>
+            </a:prstGeom>
+          </p:spPr>
+        </p:pic>
+        <p:sp>
+          <p:nvSpPr>
+            <p:cNvPr id="17" name="TextBox 16"/>
+            <p:cNvSpPr txBox="1"/>
+            <p:nvPr/>
+          </p:nvSpPr>
+          <p:spPr>
+            <a:xfrm>
+              <a:off x="5878227" y="3253990"/>
+              <a:ext cx="899882" cy="276999"/>
+            </a:xfrm>
+            <a:prstGeom prst="rect">
+              <a:avLst/>
+            </a:prstGeom>
+            <a:noFill/>
+          </p:spPr>
+          <p:txBody>
+            <a:bodyPr wrap="square" rtlCol="0">
+              <a:spAutoFit/>
+            </a:bodyPr>
+            <a:lstStyle/>
+            <a:p>
+              <a:pPr algn="ctr"/>
+              <a:r>
+                <a:rPr lang="en-AU" sz="1200" b="1" dirty="0" smtClean="0">
+                  <a:solidFill>
+                    <a:schemeClr val="tx1">
+                      <a:lumMod val="85000"/>
+                      <a:lumOff val="15000"/>
+                    </a:schemeClr>
+                  </a:solidFill>
+                  <a:latin typeface="Segoe UI Light" panose="020B0502040204020203" pitchFamily="34" charset="0"/>
+                  <a:cs typeface="Segoe UI Light" panose="020B0502040204020203" pitchFamily="34" charset="0"/>
+                </a:rPr>
+                <a:t>Customer</a:t>
+              </a:r>
+              <a:endParaRPr lang="en-AU" sz="1200" b="1" dirty="0" smtClean="0">
+                <a:solidFill>
+                  <a:schemeClr val="tx1">
+                    <a:lumMod val="85000"/>
+                    <a:lumOff val="15000"/>
+                  </a:schemeClr>
+                </a:solidFill>
+                <a:latin typeface="Segoe UI Light" panose="020B0502040204020203" pitchFamily="34" charset="0"/>
+                <a:cs typeface="Segoe UI Light" panose="020B0502040204020203" pitchFamily="34" charset="0"/>
+              </a:endParaRPr>
+            </a:p>
+          </p:txBody>
+        </p:sp>
+      </p:grpSp>
+    </p:spTree>
+    <p:extLst>
+      <p:ext uri="{BB962C8B-B14F-4D97-AF65-F5344CB8AC3E}">
+        <p14:creationId xmlns:p14="http://schemas.microsoft.com/office/powerpoint/2010/main" val="3481358731"/>
+      </p:ext>
+    </p:extLst>
+  </p:cSld>
+  <p:clrMapOvr>
+    <a:masterClrMapping/>
+  </p:clrMapOvr>
+</p:sld>
+</file>
+
+<file path=ppt/slides/slide7.xml><?xml version="1.0" encoding="utf-8"?>
+<p:sld xmlns:a="http://schemas.openxmlformats.org/drawingml/2006/main" xmlns:r="http://schemas.openxmlformats.org/officeDocument/2006/relationships" xmlns:p="http://schemas.openxmlformats.org/presentationml/2006/main">
+  <p:cSld>
+    <p:spTree>
+      <p:nvGrpSpPr>
+        <p:cNvPr id="1" name=""/>
+        <p:cNvGrpSpPr/>
+        <p:nvPr/>
+      </p:nvGrpSpPr>
+      <p:grpSpPr>
+        <a:xfrm>
+          <a:off x="0" y="0"/>
+          <a:ext cx="0" cy="0"/>
+          <a:chOff x="0" y="0"/>
+          <a:chExt cx="0" cy="0"/>
+        </a:xfrm>
+      </p:grpSpPr>
+      <p:sp>
+        <p:nvSpPr>
+          <p:cNvPr id="2" name="Title 1"/>
+          <p:cNvSpPr>
+            <a:spLocks noGrp="1"/>
+          </p:cNvSpPr>
+          <p:nvPr>
+            <p:ph type="title"/>
+          </p:nvPr>
+        </p:nvSpPr>
+        <p:spPr/>
+        <p:txBody>
+          <a:bodyPr>
+            <a:normAutofit/>
+          </a:bodyPr>
+          <a:lstStyle/>
+          <a:p>
+            <a:r>
+              <a:rPr lang="en-AU" sz="3200" b="1" dirty="0" smtClean="0">
+                <a:latin typeface="Segoe UI Light" panose="020B0502040204020203" pitchFamily="34" charset="0"/>
+                <a:cs typeface="Segoe UI Light" panose="020B0502040204020203" pitchFamily="34" charset="0"/>
+              </a:rPr>
+              <a:t>Benefits of ADF Framework</a:t>
+            </a:r>
+            <a:endParaRPr lang="en-AU" sz="3200" b="1" dirty="0">
+              <a:latin typeface="Segoe UI Light" panose="020B0502040204020203" pitchFamily="34" charset="0"/>
+              <a:cs typeface="Segoe UI Light" panose="020B0502040204020203" pitchFamily="34" charset="0"/>
+            </a:endParaRPr>
+          </a:p>
+        </p:txBody>
+      </p:sp>
+      <p:sp>
+        <p:nvSpPr>
+          <p:cNvPr id="3" name="Content Placeholder 2"/>
+          <p:cNvSpPr>
+            <a:spLocks noGrp="1"/>
+          </p:cNvSpPr>
+          <p:nvPr>
+            <p:ph idx="1"/>
+          </p:nvPr>
+        </p:nvSpPr>
+        <p:spPr/>
+        <p:txBody>
+          <a:bodyPr>
+            <a:normAutofit fontScale="47500" lnSpcReduction="20000"/>
+          </a:bodyPr>
+          <a:lstStyle/>
+          <a:p>
+            <a:r>
+              <a:rPr lang="en-AU" dirty="0" smtClean="0">
+                <a:latin typeface="Segoe UI Light" panose="020B0502040204020203" pitchFamily="34" charset="0"/>
+                <a:cs typeface="Segoe UI Light" panose="020B0502040204020203" pitchFamily="34" charset="0"/>
+              </a:rPr>
+              <a:t>Easily load data from relational format, text files to Cloud</a:t>
+            </a:r>
+          </a:p>
+          <a:p>
+            <a:pPr lvl="1"/>
+            <a:r>
+              <a:rPr lang="en-AU" dirty="0" smtClean="0">
+                <a:latin typeface="Segoe UI Light" panose="020B0502040204020203" pitchFamily="34" charset="0"/>
+                <a:cs typeface="Segoe UI Light" panose="020B0502040204020203" pitchFamily="34" charset="0"/>
+              </a:rPr>
+              <a:t>Can load CSV, TSV, text format</a:t>
+            </a:r>
+          </a:p>
+          <a:p>
+            <a:r>
+              <a:rPr lang="en-AU" dirty="0" smtClean="0">
+                <a:latin typeface="Segoe UI Light" panose="020B0502040204020203" pitchFamily="34" charset="0"/>
+                <a:cs typeface="Segoe UI Light" panose="020B0502040204020203" pitchFamily="34" charset="0"/>
+              </a:rPr>
+              <a:t>Uses ELT (Extract-Load-Transform) pattern suitable for Cloud</a:t>
+            </a:r>
+          </a:p>
+          <a:p>
+            <a:pPr lvl="1"/>
+            <a:r>
+              <a:rPr lang="en-AU" dirty="0" smtClean="0">
+                <a:latin typeface="Segoe UI Light" panose="020B0502040204020203" pitchFamily="34" charset="0"/>
+                <a:cs typeface="Segoe UI Light" panose="020B0502040204020203" pitchFamily="34" charset="0"/>
+              </a:rPr>
+              <a:t>Model data suited for Business Intelligence and Analytics</a:t>
+            </a:r>
+          </a:p>
+          <a:p>
+            <a:r>
+              <a:rPr lang="en-AU" dirty="0" smtClean="0">
+                <a:latin typeface="Segoe UI Light" panose="020B0502040204020203" pitchFamily="34" charset="0"/>
+                <a:cs typeface="Segoe UI Light" panose="020B0502040204020203" pitchFamily="34" charset="0"/>
+              </a:rPr>
+              <a:t>Configuration based / Less-Code</a:t>
+            </a:r>
+          </a:p>
+          <a:p>
+            <a:r>
+              <a:rPr lang="en-AU" dirty="0">
+                <a:latin typeface="Segoe UI Light" panose="020B0502040204020203" pitchFamily="34" charset="0"/>
+                <a:cs typeface="Segoe UI Light" panose="020B0502040204020203" pitchFamily="34" charset="0"/>
+              </a:rPr>
+              <a:t>Standardized </a:t>
+            </a:r>
+            <a:r>
+              <a:rPr lang="en-AU" dirty="0" smtClean="0">
+                <a:latin typeface="Segoe UI Light" panose="020B0502040204020203" pitchFamily="34" charset="0"/>
+                <a:cs typeface="Segoe UI Light" panose="020B0502040204020203" pitchFamily="34" charset="0"/>
+              </a:rPr>
+              <a:t>Logging</a:t>
+            </a:r>
+          </a:p>
+          <a:p>
+            <a:r>
+              <a:rPr lang="en-AU" dirty="0" smtClean="0">
+                <a:latin typeface="Segoe UI Light" panose="020B0502040204020203" pitchFamily="34" charset="0"/>
+                <a:cs typeface="Segoe UI Light" panose="020B0502040204020203" pitchFamily="34" charset="0"/>
+              </a:rPr>
+              <a:t>Retain History for Dimension Changes</a:t>
+            </a:r>
+            <a:endParaRPr lang="en-AU" dirty="0">
+              <a:latin typeface="Segoe UI Light" panose="020B0502040204020203" pitchFamily="34" charset="0"/>
+              <a:cs typeface="Segoe UI Light" panose="020B0502040204020203" pitchFamily="34" charset="0"/>
+            </a:endParaRPr>
+          </a:p>
+          <a:p>
+            <a:r>
+              <a:rPr lang="en-AU" dirty="0" smtClean="0">
+                <a:latin typeface="Segoe UI Light" panose="020B0502040204020203" pitchFamily="34" charset="0"/>
+                <a:cs typeface="Segoe UI Light" panose="020B0502040204020203" pitchFamily="34" charset="0"/>
+              </a:rPr>
+              <a:t>Easy Deployment and Configuration with ARM Template and Azure CLI</a:t>
+            </a:r>
+          </a:p>
+          <a:p>
+            <a:r>
+              <a:rPr lang="en-AU" dirty="0" smtClean="0">
+                <a:latin typeface="Segoe UI Light" panose="020B0502040204020203" pitchFamily="34" charset="0"/>
+                <a:cs typeface="Segoe UI Light" panose="020B0502040204020203" pitchFamily="34" charset="0"/>
+              </a:rPr>
+              <a:t>Easy to customize based on requirements</a:t>
+            </a:r>
+          </a:p>
+          <a:p>
+            <a:r>
+              <a:rPr lang="en-AU" dirty="0" smtClean="0">
+                <a:latin typeface="Segoe UI Light" panose="020B0502040204020203" pitchFamily="34" charset="0"/>
+                <a:cs typeface="Segoe UI Light" panose="020B0502040204020203" pitchFamily="34" charset="0"/>
+              </a:rPr>
+              <a:t>Bulk of heavy lifting of moving data is simple to setup</a:t>
+            </a:r>
+          </a:p>
+          <a:p>
+            <a:r>
+              <a:rPr lang="en-AU" dirty="0" smtClean="0">
+                <a:latin typeface="Segoe UI Light" panose="020B0502040204020203" pitchFamily="34" charset="0"/>
+                <a:cs typeface="Segoe UI Light" panose="020B0502040204020203" pitchFamily="34" charset="0"/>
+              </a:rPr>
+              <a:t>Industry Best Practice </a:t>
+            </a:r>
+          </a:p>
+          <a:p>
+            <a:r>
+              <a:rPr lang="en-AU" dirty="0" smtClean="0">
+                <a:latin typeface="Segoe UI Light" panose="020B0502040204020203" pitchFamily="34" charset="0"/>
+                <a:cs typeface="Segoe UI Light" panose="020B0502040204020203" pitchFamily="34" charset="0"/>
+              </a:rPr>
+              <a:t>Meta Data Driven Framework</a:t>
+            </a:r>
+          </a:p>
+          <a:p>
+            <a:r>
+              <a:rPr lang="en-AU" dirty="0" smtClean="0">
+                <a:latin typeface="Segoe UI Light" panose="020B0502040204020203" pitchFamily="34" charset="0"/>
+                <a:cs typeface="Segoe UI Light" panose="020B0502040204020203" pitchFamily="34" charset="0"/>
+              </a:rPr>
+              <a:t>Logging</a:t>
+            </a:r>
+          </a:p>
+          <a:p>
+            <a:r>
+              <a:rPr lang="en-AU" dirty="0" smtClean="0">
+                <a:latin typeface="Segoe UI Light" panose="020B0502040204020203" pitchFamily="34" charset="0"/>
+                <a:cs typeface="Segoe UI Light" panose="020B0502040204020203" pitchFamily="34" charset="0"/>
+              </a:rPr>
+              <a:t>Takes care of load dependencies</a:t>
+            </a:r>
+          </a:p>
+          <a:p>
+            <a:r>
+              <a:rPr lang="en-AU" dirty="0" smtClean="0">
+                <a:latin typeface="Segoe UI Light" panose="020B0502040204020203" pitchFamily="34" charset="0"/>
+                <a:cs typeface="Segoe UI Light" panose="020B0502040204020203" pitchFamily="34" charset="0"/>
+              </a:rPr>
+              <a:t>Works with Hybrid environment</a:t>
+            </a:r>
+          </a:p>
+          <a:p>
+            <a:r>
+              <a:rPr lang="en-AU" dirty="0" smtClean="0">
+                <a:latin typeface="Segoe UI Light" panose="020B0502040204020203" pitchFamily="34" charset="0"/>
+                <a:cs typeface="Segoe UI Light" panose="020B0502040204020203" pitchFamily="34" charset="0"/>
+              </a:rPr>
+              <a:t>Ready for Big Data using Azure Databricks</a:t>
+            </a:r>
+          </a:p>
+          <a:p>
+            <a:endParaRPr lang="en-AU" dirty="0">
+              <a:latin typeface="Segoe UI Light" panose="020B0502040204020203" pitchFamily="34" charset="0"/>
+              <a:cs typeface="Segoe UI Light" panose="020B0502040204020203" pitchFamily="34" charset="0"/>
+            </a:endParaRPr>
+          </a:p>
+          <a:p>
+            <a:endParaRPr lang="en-AU" dirty="0" smtClean="0">
+              <a:latin typeface="Segoe UI Light" panose="020B0502040204020203" pitchFamily="34" charset="0"/>
+              <a:cs typeface="Segoe UI Light" panose="020B0502040204020203" pitchFamily="34" charset="0"/>
+            </a:endParaRPr>
+          </a:p>
+        </p:txBody>
+      </p:sp>
+    </p:spTree>
+    <p:extLst>
+      <p:ext uri="{BB962C8B-B14F-4D97-AF65-F5344CB8AC3E}">
+        <p14:creationId xmlns:p14="http://schemas.microsoft.com/office/powerpoint/2010/main" val="2433802893"/>
+      </p:ext>
+    </p:extLst>
+  </p:cSld>
+  <p:clrMapOvr>
+    <a:masterClrMapping/>
+  </p:clrMapOvr>
+</p:sld>
+</file>
+
+<file path=ppt/slides/slide8.xml><?xml version="1.0" encoding="utf-8"?>
+<p:sld xmlns:a="http://schemas.openxmlformats.org/drawingml/2006/main" xmlns:r="http://schemas.openxmlformats.org/officeDocument/2006/relationships" xmlns:p="http://schemas.openxmlformats.org/presentationml/2006/main">
+  <p:cSld>
+    <p:spTree>
+      <p:nvGrpSpPr>
+        <p:cNvPr id="1" name=""/>
+        <p:cNvGrpSpPr/>
+        <p:nvPr/>
+      </p:nvGrpSpPr>
+      <p:grpSpPr>
+        <a:xfrm>
+          <a:off x="0" y="0"/>
+          <a:ext cx="0" cy="0"/>
+          <a:chOff x="0" y="0"/>
+          <a:chExt cx="0" cy="0"/>
+        </a:xfrm>
+      </p:grpSpPr>
+      <p:sp>
+        <p:nvSpPr>
+          <p:cNvPr id="2" name="Title 1"/>
+          <p:cNvSpPr>
+            <a:spLocks noGrp="1"/>
+          </p:cNvSpPr>
+          <p:nvPr>
+            <p:ph type="title"/>
+          </p:nvPr>
+        </p:nvSpPr>
+        <p:spPr/>
+        <p:txBody>
+          <a:bodyPr>
+            <a:normAutofit/>
+          </a:bodyPr>
+          <a:lstStyle/>
+          <a:p>
+            <a:r>
+              <a:rPr lang="en-AU" sz="3200" b="1" dirty="0" smtClean="0">
+                <a:latin typeface="Segoe UI Light" panose="020B0502040204020203" pitchFamily="34" charset="0"/>
+                <a:cs typeface="Segoe UI Light" panose="020B0502040204020203" pitchFamily="34" charset="0"/>
+              </a:rPr>
+              <a:t>Benefits of ADF Framework</a:t>
+            </a:r>
+            <a:endParaRPr lang="en-AU" sz="3200" b="1" dirty="0">
+              <a:latin typeface="Segoe UI Light" panose="020B0502040204020203" pitchFamily="34" charset="0"/>
+              <a:cs typeface="Segoe UI Light" panose="020B0502040204020203" pitchFamily="34" charset="0"/>
+            </a:endParaRPr>
+          </a:p>
+        </p:txBody>
+      </p:sp>
+      <p:sp>
+        <p:nvSpPr>
+          <p:cNvPr id="3" name="Content Placeholder 2"/>
+          <p:cNvSpPr>
+            <a:spLocks noGrp="1"/>
+          </p:cNvSpPr>
+          <p:nvPr>
+            <p:ph idx="1"/>
+          </p:nvPr>
+        </p:nvSpPr>
+        <p:spPr/>
+        <p:txBody>
+          <a:bodyPr>
+            <a:normAutofit/>
+          </a:bodyPr>
+          <a:lstStyle/>
+          <a:p>
+            <a:r>
+              <a:rPr lang="en-AU" dirty="0" smtClean="0">
+                <a:latin typeface="Segoe UI Light" panose="020B0502040204020203" pitchFamily="34" charset="0"/>
+                <a:cs typeface="Segoe UI Light" panose="020B0502040204020203" pitchFamily="34" charset="0"/>
+              </a:rPr>
+              <a:t>Speed of Implementation</a:t>
+            </a:r>
+          </a:p>
+          <a:p>
+            <a:r>
+              <a:rPr lang="en-AU" dirty="0" smtClean="0">
+                <a:latin typeface="Segoe UI Light" panose="020B0502040204020203" pitchFamily="34" charset="0"/>
+                <a:cs typeface="Segoe UI Light" panose="020B0502040204020203" pitchFamily="34" charset="0"/>
+              </a:rPr>
+              <a:t>Less Code less error – more maintainable</a:t>
+            </a:r>
+          </a:p>
+          <a:p>
+            <a:r>
+              <a:rPr lang="en-AU" dirty="0" smtClean="0">
+                <a:latin typeface="Segoe UI Light" panose="020B0502040204020203" pitchFamily="34" charset="0"/>
+                <a:cs typeface="Segoe UI Light" panose="020B0502040204020203" pitchFamily="34" charset="0"/>
+              </a:rPr>
+              <a:t>Time to focus on complex business logic</a:t>
+            </a:r>
+          </a:p>
+          <a:p>
+            <a:r>
+              <a:rPr lang="en-AU" dirty="0" smtClean="0">
+                <a:latin typeface="Segoe UI Light" panose="020B0502040204020203" pitchFamily="34" charset="0"/>
+                <a:cs typeface="Segoe UI Light" panose="020B0502040204020203" pitchFamily="34" charset="0"/>
+              </a:rPr>
+              <a:t>Repeatable</a:t>
+            </a:r>
+          </a:p>
+          <a:p>
+            <a:r>
+              <a:rPr lang="en-AU" dirty="0" smtClean="0">
+                <a:latin typeface="Segoe UI Light" panose="020B0502040204020203" pitchFamily="34" charset="0"/>
+                <a:cs typeface="Segoe UI Light" panose="020B0502040204020203" pitchFamily="34" charset="0"/>
+              </a:rPr>
+              <a:t>Helps follow a standard for the client development team</a:t>
+            </a:r>
+          </a:p>
+          <a:p>
+            <a:endParaRPr lang="en-AU" dirty="0" smtClean="0">
+              <a:latin typeface="Segoe UI Light" panose="020B0502040204020203" pitchFamily="34" charset="0"/>
+              <a:cs typeface="Segoe UI Light" panose="020B0502040204020203" pitchFamily="34" charset="0"/>
+            </a:endParaRPr>
+          </a:p>
+          <a:p>
+            <a:endParaRPr lang="en-AU" dirty="0">
+              <a:latin typeface="Segoe UI Light" panose="020B0502040204020203" pitchFamily="34" charset="0"/>
+              <a:cs typeface="Segoe UI Light" panose="020B0502040204020203" pitchFamily="34" charset="0"/>
+            </a:endParaRPr>
+          </a:p>
+          <a:p>
+            <a:endParaRPr lang="en-AU" dirty="0" smtClean="0">
+              <a:latin typeface="Segoe UI Light" panose="020B0502040204020203" pitchFamily="34" charset="0"/>
+              <a:cs typeface="Segoe UI Light" panose="020B0502040204020203" pitchFamily="34" charset="0"/>
+            </a:endParaRPr>
+          </a:p>
+        </p:txBody>
+      </p:sp>
+    </p:spTree>
+    <p:extLst>
+      <p:ext uri="{BB962C8B-B14F-4D97-AF65-F5344CB8AC3E}">
+        <p14:creationId xmlns:p14="http://schemas.microsoft.com/office/powerpoint/2010/main" val="2762511249"/>
       </p:ext>
     </p:extLst>
   </p:cSld>
